--- a/materials/04_Targets_and_Contexts/Targets_and_Contexts.pptx
+++ b/materials/04_Targets_and_Contexts/Targets_and_Contexts.pptx
@@ -5,10 +5,10 @@
     <p:sldMasterId id="2147483648" r:id="rId1"/>
   </p:sldMasterIdLst>
   <p:notesMasterIdLst>
-    <p:notesMasterId r:id="rId25"/>
+    <p:notesMasterId r:id="rId24"/>
   </p:notesMasterIdLst>
   <p:handoutMasterIdLst>
-    <p:handoutMasterId r:id="rId26"/>
+    <p:handoutMasterId r:id="rId25"/>
   </p:handoutMasterIdLst>
   <p:sldIdLst>
     <p:sldId id="256" r:id="rId2"/>
@@ -20,20 +20,19 @@
     <p:sldId id="725" r:id="rId8"/>
     <p:sldId id="723" r:id="rId9"/>
     <p:sldId id="726" r:id="rId10"/>
-    <p:sldId id="259" r:id="rId11"/>
+    <p:sldId id="747" r:id="rId11"/>
     <p:sldId id="458" r:id="rId12"/>
     <p:sldId id="459" r:id="rId13"/>
     <p:sldId id="460" r:id="rId14"/>
     <p:sldId id="461" r:id="rId15"/>
     <p:sldId id="471" r:id="rId16"/>
-    <p:sldId id="741" r:id="rId17"/>
-    <p:sldId id="743" r:id="rId18"/>
-    <p:sldId id="744" r:id="rId19"/>
-    <p:sldId id="745" r:id="rId20"/>
-    <p:sldId id="742" r:id="rId21"/>
-    <p:sldId id="516" r:id="rId22"/>
-    <p:sldId id="727" r:id="rId23"/>
-    <p:sldId id="264" r:id="rId24"/>
+    <p:sldId id="743" r:id="rId17"/>
+    <p:sldId id="744" r:id="rId18"/>
+    <p:sldId id="745" r:id="rId19"/>
+    <p:sldId id="742" r:id="rId20"/>
+    <p:sldId id="516" r:id="rId21"/>
+    <p:sldId id="727" r:id="rId22"/>
+    <p:sldId id="746" r:id="rId23"/>
   </p:sldIdLst>
   <p:sldSz cx="9144000" cy="5143500" type="screen16x9"/>
   <p:notesSz cx="6858000" cy="9144000"/>
@@ -233,7 +232,7 @@
           <a:p>
             <a:fld id="{AF4BE2A7-80ED-754F-83CC-9BFAE20ABB9C}" type="datetimeFigureOut">
               <a:rPr lang="en-US" smtClean="0"/>
-              <a:t>9/3/24</a:t>
+              <a:t>10/20/24</a:t>
             </a:fld>
             <a:endParaRPr lang="en-US"/>
           </a:p>
@@ -399,7 +398,7 @@
           <a:p>
             <a:fld id="{38C9FC9B-74B5-8E40-A9E6-386E1D7938B0}" type="datetimeFigureOut">
               <a:rPr lang="en-US" smtClean="0"/>
-              <a:t>9/3/24</a:t>
+              <a:t>10/20/24</a:t>
             </a:fld>
             <a:endParaRPr lang="en-US"/>
           </a:p>
@@ -2157,1142 +2156,120 @@
       </p:grpSpPr>
       <p:sp>
         <p:nvSpPr>
-          <p:cNvPr id="34" name="Rounded Rectangle 33"/>
-          <p:cNvSpPr/>
-          <p:nvPr/>
-        </p:nvSpPr>
-        <p:spPr bwMode="auto">
-          <a:xfrm>
-            <a:off x="7467600" y="3629085"/>
-            <a:ext cx="1447800" cy="1171515"/>
-          </a:xfrm>
-          <a:prstGeom prst="roundRect">
-            <a:avLst/>
-          </a:prstGeom>
-          <a:solidFill>
-            <a:schemeClr val="bg1"/>
-          </a:solidFill>
-          <a:ln w="9525" cap="flat" cmpd="sng" algn="ctr">
-            <a:solidFill>
-              <a:schemeClr val="tx1"/>
-            </a:solidFill>
-            <a:prstDash val="solid"/>
-            <a:round/>
-            <a:headEnd type="none" w="med" len="med"/>
-            <a:tailEnd type="none" w="med" len="med"/>
-          </a:ln>
-          <a:effectLst/>
-        </p:spPr>
-        <p:txBody>
-          <a:bodyPr vert="horz" wrap="square" lIns="91440" tIns="45720" rIns="91440" bIns="45720" numCol="1" rtlCol="0" anchor="t" anchorCtr="0" compatLnSpc="1">
-            <a:prstTxWarp prst="textNoShape">
-              <a:avLst/>
-            </a:prstTxWarp>
-          </a:bodyPr>
-          <a:lstStyle/>
-          <a:p>
-            <a:pPr marL="0" marR="0" indent="0" algn="l" defTabSz="914400" rtl="0" eaLnBrk="1" fontAlgn="base" latinLnBrk="0" hangingPunct="1">
-              <a:lnSpc>
-                <a:spcPct val="100000"/>
-              </a:lnSpc>
-              <a:spcBef>
-                <a:spcPct val="0"/>
-              </a:spcBef>
-              <a:spcAft>
-                <a:spcPct val="0"/>
-              </a:spcAft>
-              <a:buClrTx/>
-              <a:buSzTx/>
-              <a:buFontTx/>
-              <a:buNone/>
-              <a:tabLst/>
-            </a:pPr>
-            <a:endParaRPr kumimoji="0" lang="en-US" sz="2400" b="0" i="0" u="none" strike="noStrike" cap="none" normalizeH="0" baseline="0">
-              <a:ln>
-                <a:noFill/>
-              </a:ln>
-              <a:solidFill>
-                <a:schemeClr val="accent2"/>
-              </a:solidFill>
-              <a:effectLst/>
-              <a:latin typeface="Roboto Light"/>
-              <a:cs typeface="Roboto Light"/>
-            </a:endParaRPr>
-          </a:p>
-        </p:txBody>
-      </p:sp>
-      <p:sp>
-        <p:nvSpPr>
-          <p:cNvPr id="7" name="Oval 6"/>
-          <p:cNvSpPr/>
-          <p:nvPr/>
-        </p:nvSpPr>
-        <p:spPr bwMode="auto">
-          <a:xfrm>
-            <a:off x="4375652" y="1356460"/>
-            <a:ext cx="2938675" cy="2099438"/>
-          </a:xfrm>
-          <a:prstGeom prst="ellipse">
-            <a:avLst/>
-          </a:prstGeom>
-          <a:solidFill>
-            <a:srgbClr val="FFFFFF"/>
-          </a:solidFill>
-          <a:ln w="9525" cap="flat" cmpd="sng" algn="ctr">
-            <a:solidFill>
-              <a:schemeClr val="tx1"/>
-            </a:solidFill>
-            <a:prstDash val="solid"/>
-            <a:round/>
-            <a:headEnd type="none" w="med" len="med"/>
-            <a:tailEnd type="none" w="med" len="med"/>
-          </a:ln>
-          <a:effectLst/>
-        </p:spPr>
-        <p:txBody>
-          <a:bodyPr vert="horz" wrap="square" lIns="91440" tIns="45720" rIns="91440" bIns="45720" numCol="1" rtlCol="0" anchor="t" anchorCtr="0" compatLnSpc="1">
-            <a:prstTxWarp prst="textNoShape">
-              <a:avLst/>
-            </a:prstTxWarp>
-          </a:bodyPr>
-          <a:lstStyle/>
-          <a:p>
-            <a:pPr marL="0" marR="0" indent="0" algn="l" defTabSz="914400" rtl="0" eaLnBrk="1" fontAlgn="base" latinLnBrk="0" hangingPunct="1">
-              <a:lnSpc>
-                <a:spcPct val="100000"/>
-              </a:lnSpc>
-              <a:spcBef>
-                <a:spcPct val="0"/>
-              </a:spcBef>
-              <a:spcAft>
-                <a:spcPct val="0"/>
-              </a:spcAft>
-              <a:buClrTx/>
-              <a:buSzTx/>
-              <a:buFontTx/>
-              <a:buNone/>
-              <a:tabLst/>
-            </a:pPr>
-            <a:endParaRPr kumimoji="0" lang="en-US" sz="2400" b="0" i="0" u="none" strike="noStrike" cap="none" normalizeH="0" baseline="0">
-              <a:ln>
-                <a:noFill/>
-              </a:ln>
-              <a:solidFill>
-                <a:schemeClr val="accent2"/>
-              </a:solidFill>
-              <a:effectLst/>
-              <a:latin typeface="Roboto Light"/>
-              <a:cs typeface="Roboto Light"/>
-            </a:endParaRPr>
-          </a:p>
-        </p:txBody>
-      </p:sp>
-      <p:sp>
-        <p:nvSpPr>
-          <p:cNvPr id="2" name="Title 1"/>
-          <p:cNvSpPr>
-            <a:spLocks noGrp="1"/>
-          </p:cNvSpPr>
-          <p:nvPr>
-            <p:ph type="title"/>
-          </p:nvPr>
-        </p:nvSpPr>
-        <p:spPr>
-          <a:effectLst/>
-        </p:spPr>
-        <p:txBody>
-          <a:bodyPr/>
-          <a:lstStyle/>
-          <a:p>
-            <a:r>
-              <a:rPr lang="en-US" dirty="0"/>
-              <a:t>User Application</a:t>
-            </a:r>
-          </a:p>
-        </p:txBody>
-      </p:sp>
-      <p:sp>
-        <p:nvSpPr>
-          <p:cNvPr id="6" name="Oval 5"/>
-          <p:cNvSpPr/>
-          <p:nvPr/>
-        </p:nvSpPr>
-        <p:spPr bwMode="auto">
-          <a:xfrm>
-            <a:off x="4822187" y="1714248"/>
-            <a:ext cx="2088558" cy="1527208"/>
-          </a:xfrm>
-          <a:prstGeom prst="ellipse">
-            <a:avLst/>
-          </a:prstGeom>
-          <a:solidFill>
-            <a:schemeClr val="accent1">
-              <a:lumMod val="75000"/>
-            </a:schemeClr>
-          </a:solidFill>
-          <a:ln w="9525" cap="flat" cmpd="sng" algn="ctr">
-            <a:solidFill>
-              <a:schemeClr val="tx1"/>
-            </a:solidFill>
-            <a:prstDash val="solid"/>
-            <a:round/>
-            <a:headEnd type="none" w="med" len="med"/>
-            <a:tailEnd type="none" w="med" len="med"/>
-          </a:ln>
-          <a:effectLst/>
-        </p:spPr>
-        <p:txBody>
-          <a:bodyPr vert="horz" wrap="square" lIns="91440" tIns="45720" rIns="91440" bIns="45720" numCol="1" rtlCol="0" anchor="ctr" anchorCtr="0" compatLnSpc="1">
-            <a:prstTxWarp prst="textNoShape">
-              <a:avLst/>
-            </a:prstTxWarp>
-          </a:bodyPr>
-          <a:lstStyle/>
-          <a:p>
-            <a:pPr marL="0" marR="0" indent="0" algn="ctr" defTabSz="914400" rtl="0" eaLnBrk="1" fontAlgn="base" latinLnBrk="0" hangingPunct="1">
-              <a:lnSpc>
-                <a:spcPct val="100000"/>
-              </a:lnSpc>
-              <a:spcBef>
-                <a:spcPct val="0"/>
-              </a:spcBef>
-              <a:spcAft>
-                <a:spcPct val="0"/>
-              </a:spcAft>
-              <a:buClrTx/>
-              <a:buSzTx/>
-              <a:buFontTx/>
-              <a:buNone/>
-              <a:tabLst/>
-            </a:pPr>
-            <a:endParaRPr kumimoji="0" lang="en-US" sz="2000" b="0" i="0" u="none" strike="noStrike" cap="none" normalizeH="0" baseline="0" dirty="0">
-              <a:ln>
-                <a:noFill/>
-              </a:ln>
-              <a:solidFill>
-                <a:schemeClr val="tx1"/>
-              </a:solidFill>
-              <a:effectLst/>
-              <a:latin typeface="Roboto Light"/>
-              <a:cs typeface="Roboto Light"/>
-            </a:endParaRPr>
-          </a:p>
-        </p:txBody>
-      </p:sp>
-      <p:sp>
-        <p:nvSpPr>
-          <p:cNvPr id="8" name="Rounded Rectangle 7"/>
-          <p:cNvSpPr/>
-          <p:nvPr/>
-        </p:nvSpPr>
-        <p:spPr bwMode="auto">
-          <a:xfrm>
-            <a:off x="1794692" y="3629085"/>
-            <a:ext cx="5562491" cy="1062748"/>
-          </a:xfrm>
-          <a:prstGeom prst="roundRect">
-            <a:avLst/>
-          </a:prstGeom>
-          <a:solidFill>
-            <a:srgbClr val="FFFFFF"/>
-          </a:solidFill>
-          <a:ln w="9525" cap="flat" cmpd="sng" algn="ctr">
-            <a:solidFill>
-              <a:schemeClr val="tx1"/>
-            </a:solidFill>
-            <a:prstDash val="solid"/>
-            <a:round/>
-            <a:headEnd type="none" w="med" len="med"/>
-            <a:tailEnd type="none" w="med" len="med"/>
-          </a:ln>
-          <a:effectLst/>
-        </p:spPr>
-        <p:txBody>
-          <a:bodyPr vert="horz" wrap="square" lIns="91440" tIns="45720" rIns="91440" bIns="45720" numCol="1" rtlCol="0" anchor="t" anchorCtr="0" compatLnSpc="1">
-            <a:prstTxWarp prst="textNoShape">
-              <a:avLst/>
-            </a:prstTxWarp>
-          </a:bodyPr>
-          <a:lstStyle/>
-          <a:p>
-            <a:pPr marL="0" marR="0" indent="0" algn="l" defTabSz="914400" rtl="0" eaLnBrk="1" fontAlgn="base" latinLnBrk="0" hangingPunct="1">
-              <a:lnSpc>
-                <a:spcPct val="100000"/>
-              </a:lnSpc>
-              <a:spcBef>
-                <a:spcPct val="0"/>
-              </a:spcBef>
-              <a:spcAft>
-                <a:spcPct val="0"/>
-              </a:spcAft>
-              <a:buClrTx/>
-              <a:buSzTx/>
-              <a:buFontTx/>
-              <a:buNone/>
-              <a:tabLst/>
-            </a:pPr>
-            <a:endParaRPr kumimoji="0" lang="en-US" sz="2400" b="0" i="0" u="none" strike="noStrike" cap="none" normalizeH="0" baseline="0">
-              <a:ln>
-                <a:noFill/>
-              </a:ln>
-              <a:solidFill>
-                <a:schemeClr val="accent2"/>
-              </a:solidFill>
-              <a:effectLst/>
-              <a:latin typeface="Roboto Light"/>
-              <a:cs typeface="Roboto Light"/>
-            </a:endParaRPr>
-          </a:p>
-        </p:txBody>
-      </p:sp>
-      <p:sp>
-        <p:nvSpPr>
-          <p:cNvPr id="5" name="Can 4"/>
-          <p:cNvSpPr/>
-          <p:nvPr/>
-        </p:nvSpPr>
-        <p:spPr bwMode="auto">
-          <a:xfrm>
-            <a:off x="5346952" y="3770785"/>
-            <a:ext cx="1039031" cy="858070"/>
-          </a:xfrm>
-          <a:prstGeom prst="can">
-            <a:avLst/>
-          </a:prstGeom>
-          <a:solidFill>
-            <a:srgbClr val="FFFFFF"/>
-          </a:solidFill>
-          <a:ln w="9525" cap="flat" cmpd="sng" algn="ctr">
-            <a:solidFill>
-              <a:schemeClr val="tx1"/>
-            </a:solidFill>
-            <a:prstDash val="solid"/>
-            <a:round/>
-            <a:headEnd type="none" w="med" len="med"/>
-            <a:tailEnd type="none" w="med" len="med"/>
-          </a:ln>
-          <a:effectLst/>
-        </p:spPr>
-        <p:txBody>
-          <a:bodyPr vert="horz" wrap="square" lIns="91440" tIns="45720" rIns="91440" bIns="45720" numCol="1" rtlCol="0" anchor="t" anchorCtr="0" compatLnSpc="1">
-            <a:prstTxWarp prst="textNoShape">
-              <a:avLst/>
-            </a:prstTxWarp>
-          </a:bodyPr>
-          <a:lstStyle/>
-          <a:p>
-            <a:pPr marL="0" marR="0" indent="0" algn="l" defTabSz="914400" rtl="0" eaLnBrk="1" fontAlgn="base" latinLnBrk="0" hangingPunct="1">
-              <a:lnSpc>
-                <a:spcPct val="100000"/>
-              </a:lnSpc>
-              <a:spcBef>
-                <a:spcPct val="0"/>
-              </a:spcBef>
-              <a:spcAft>
-                <a:spcPct val="0"/>
-              </a:spcAft>
-              <a:buClrTx/>
-              <a:buSzTx/>
-              <a:buFontTx/>
-              <a:buNone/>
-              <a:tabLst/>
-            </a:pPr>
-            <a:endParaRPr kumimoji="0" lang="en-US" sz="2400" b="0" i="0" u="none" strike="noStrike" cap="none" normalizeH="0" baseline="0">
-              <a:ln>
-                <a:noFill/>
-              </a:ln>
-              <a:solidFill>
-                <a:schemeClr val="accent2"/>
-              </a:solidFill>
-              <a:effectLst/>
-              <a:latin typeface="Roboto Light"/>
-              <a:cs typeface="Roboto Light"/>
-            </a:endParaRPr>
-          </a:p>
-        </p:txBody>
-      </p:sp>
-      <p:sp>
-        <p:nvSpPr>
-          <p:cNvPr id="11" name="Oval 10"/>
-          <p:cNvSpPr/>
-          <p:nvPr/>
-        </p:nvSpPr>
-        <p:spPr bwMode="auto">
-          <a:xfrm>
-            <a:off x="2319455" y="2054645"/>
-            <a:ext cx="1427357" cy="1062748"/>
-          </a:xfrm>
-          <a:prstGeom prst="ellipse">
-            <a:avLst/>
-          </a:prstGeom>
-          <a:solidFill>
-            <a:srgbClr val="FFFFFF"/>
-          </a:solidFill>
-          <a:ln w="9525" cap="flat" cmpd="sng" algn="ctr">
-            <a:solidFill>
-              <a:schemeClr val="tx1"/>
-            </a:solidFill>
-            <a:prstDash val="solid"/>
-            <a:round/>
-            <a:headEnd type="none" w="med" len="med"/>
-            <a:tailEnd type="none" w="med" len="med"/>
-          </a:ln>
-          <a:effectLst/>
-        </p:spPr>
-        <p:txBody>
-          <a:bodyPr vert="horz" wrap="square" lIns="91440" tIns="45720" rIns="91440" bIns="45720" numCol="1" rtlCol="0" anchor="t" anchorCtr="0" compatLnSpc="1">
-            <a:prstTxWarp prst="textNoShape">
-              <a:avLst/>
-            </a:prstTxWarp>
-          </a:bodyPr>
-          <a:lstStyle/>
-          <a:p>
-            <a:pPr marL="0" marR="0" indent="0" algn="l" defTabSz="914400" rtl="0" eaLnBrk="1" fontAlgn="base" latinLnBrk="0" hangingPunct="1">
-              <a:lnSpc>
-                <a:spcPct val="100000"/>
-              </a:lnSpc>
-              <a:spcBef>
-                <a:spcPct val="0"/>
-              </a:spcBef>
-              <a:spcAft>
-                <a:spcPct val="0"/>
-              </a:spcAft>
-              <a:buClrTx/>
-              <a:buSzTx/>
-              <a:buFontTx/>
-              <a:buNone/>
-              <a:tabLst/>
-            </a:pPr>
-            <a:endParaRPr kumimoji="0" lang="en-US" sz="2400" b="0" i="0" u="none" strike="noStrike" cap="none" normalizeH="0" baseline="0">
-              <a:ln>
-                <a:noFill/>
-              </a:ln>
-              <a:solidFill>
-                <a:schemeClr val="accent2"/>
-              </a:solidFill>
-              <a:effectLst/>
-              <a:latin typeface="Roboto Light"/>
-              <a:cs typeface="Roboto Light"/>
-            </a:endParaRPr>
-          </a:p>
-        </p:txBody>
-      </p:sp>
-      <p:sp>
-        <p:nvSpPr>
-          <p:cNvPr id="12" name="Cloud 11"/>
-          <p:cNvSpPr/>
-          <p:nvPr/>
-        </p:nvSpPr>
-        <p:spPr bwMode="auto">
-          <a:xfrm>
-            <a:off x="220400" y="3770785"/>
-            <a:ext cx="1456001" cy="921048"/>
-          </a:xfrm>
-          <a:prstGeom prst="cloud">
-            <a:avLst/>
-          </a:prstGeom>
-          <a:solidFill>
-            <a:srgbClr val="FFFFFF"/>
-          </a:solidFill>
-          <a:ln w="9525" cap="flat" cmpd="sng" algn="ctr">
-            <a:solidFill>
-              <a:schemeClr val="tx1"/>
-            </a:solidFill>
-            <a:prstDash val="solid"/>
-            <a:round/>
-            <a:headEnd type="none" w="med" len="med"/>
-            <a:tailEnd type="none" w="med" len="med"/>
-          </a:ln>
-          <a:effectLst/>
-        </p:spPr>
-        <p:txBody>
-          <a:bodyPr vert="horz" wrap="square" lIns="91440" tIns="45720" rIns="91440" bIns="45720" numCol="1" rtlCol="0" anchor="t" anchorCtr="0" compatLnSpc="1">
-            <a:prstTxWarp prst="textNoShape">
-              <a:avLst/>
-            </a:prstTxWarp>
-          </a:bodyPr>
-          <a:lstStyle/>
-          <a:p>
-            <a:pPr marL="0" marR="0" indent="0" algn="l" defTabSz="914400" rtl="0" eaLnBrk="1" fontAlgn="base" latinLnBrk="0" hangingPunct="1">
-              <a:lnSpc>
-                <a:spcPct val="100000"/>
-              </a:lnSpc>
-              <a:spcBef>
-                <a:spcPct val="0"/>
-              </a:spcBef>
-              <a:spcAft>
-                <a:spcPct val="0"/>
-              </a:spcAft>
-              <a:buClrTx/>
-              <a:buSzTx/>
-              <a:buFontTx/>
-              <a:buNone/>
-              <a:tabLst/>
-            </a:pPr>
-            <a:endParaRPr kumimoji="0" lang="en-US" sz="2400" b="0" i="0" u="none" strike="noStrike" cap="none" normalizeH="0" baseline="0">
-              <a:ln>
-                <a:noFill/>
-              </a:ln>
-              <a:solidFill>
-                <a:schemeClr val="accent2"/>
-              </a:solidFill>
-              <a:effectLst/>
-              <a:latin typeface="Roboto Light"/>
-              <a:cs typeface="Roboto Light"/>
-            </a:endParaRPr>
-          </a:p>
-        </p:txBody>
-      </p:sp>
-      <p:cxnSp>
-        <p:nvCxnSpPr>
-          <p:cNvPr id="16" name="Straight Arrow Connector 15"/>
-          <p:cNvCxnSpPr/>
-          <p:nvPr/>
-        </p:nvCxnSpPr>
-        <p:spPr bwMode="auto">
-          <a:xfrm rot="5400000" flipH="1" flipV="1">
-            <a:off x="5426033" y="3445382"/>
-            <a:ext cx="871145" cy="10493"/>
-          </a:xfrm>
-          <a:prstGeom prst="straightConnector1">
-            <a:avLst/>
-          </a:prstGeom>
-          <a:solidFill>
-            <a:schemeClr val="accent1"/>
-          </a:solidFill>
-          <a:ln w="28575" cap="flat" cmpd="sng" algn="ctr">
-            <a:solidFill>
-              <a:srgbClr val="000000"/>
-            </a:solidFill>
-            <a:prstDash val="solid"/>
-            <a:round/>
-            <a:headEnd type="triangle" w="med" len="med"/>
-            <a:tailEnd type="triangle" w="med" len="med"/>
-          </a:ln>
-          <a:effectLst/>
-        </p:spPr>
-      </p:cxnSp>
-      <p:sp>
-        <p:nvSpPr>
-          <p:cNvPr id="23" name="Freeform 22"/>
-          <p:cNvSpPr/>
-          <p:nvPr/>
-        </p:nvSpPr>
-        <p:spPr bwMode="auto">
-          <a:xfrm>
-            <a:off x="3022636" y="2605699"/>
-            <a:ext cx="2466388" cy="1598057"/>
-          </a:xfrm>
-          <a:custGeom>
-            <a:avLst/>
-            <a:gdLst>
-              <a:gd name="connsiteX0" fmla="*/ 0 w 2466388"/>
-              <a:gd name="connsiteY0" fmla="*/ 0 h 2130743"/>
-              <a:gd name="connsiteX1" fmla="*/ 10496 w 2466388"/>
-              <a:gd name="connsiteY1" fmla="*/ 2130743 h 2130743"/>
-              <a:gd name="connsiteX2" fmla="*/ 1889148 w 2466388"/>
-              <a:gd name="connsiteY2" fmla="*/ 2120247 h 2130743"/>
-              <a:gd name="connsiteX3" fmla="*/ 2466388 w 2466388"/>
-              <a:gd name="connsiteY3" fmla="*/ 461836 h 2130743"/>
-            </a:gdLst>
-            <a:ahLst/>
-            <a:cxnLst>
-              <a:cxn ang="0">
-                <a:pos x="connsiteX0" y="connsiteY0"/>
-              </a:cxn>
-              <a:cxn ang="0">
-                <a:pos x="connsiteX1" y="connsiteY1"/>
-              </a:cxn>
-              <a:cxn ang="0">
-                <a:pos x="connsiteX2" y="connsiteY2"/>
-              </a:cxn>
-              <a:cxn ang="0">
-                <a:pos x="connsiteX3" y="connsiteY3"/>
-              </a:cxn>
-            </a:cxnLst>
-            <a:rect l="l" t="t" r="r" b="b"/>
-            <a:pathLst>
-              <a:path w="2466388" h="2130743">
-                <a:moveTo>
-                  <a:pt x="0" y="0"/>
-                </a:moveTo>
-                <a:cubicBezTo>
-                  <a:pt x="3499" y="710248"/>
-                  <a:pt x="10496" y="2130743"/>
-                  <a:pt x="10496" y="2130743"/>
-                </a:cubicBezTo>
-                <a:lnTo>
-                  <a:pt x="1889148" y="2120247"/>
-                </a:lnTo>
-                <a:lnTo>
-                  <a:pt x="2466388" y="461836"/>
-                </a:lnTo>
-              </a:path>
-            </a:pathLst>
-          </a:custGeom>
-          <a:noFill/>
-          <a:ln w="28575" cap="flat" cmpd="sng" algn="ctr">
-            <a:solidFill>
-              <a:srgbClr val="000000"/>
-            </a:solidFill>
-            <a:prstDash val="solid"/>
-            <a:round/>
-            <a:headEnd type="triangle" w="med" len="med"/>
-            <a:tailEnd type="triangle" w="med" len="med"/>
-          </a:ln>
-          <a:effectLst/>
-        </p:spPr>
-        <p:txBody>
-          <a:bodyPr vert="horz" wrap="square" lIns="91440" tIns="45720" rIns="91440" bIns="45720" numCol="1" rtlCol="0" anchor="t" anchorCtr="0" compatLnSpc="1">
-            <a:prstTxWarp prst="textNoShape">
-              <a:avLst/>
-            </a:prstTxWarp>
-          </a:bodyPr>
-          <a:lstStyle/>
-          <a:p>
-            <a:pPr marL="0" marR="0" indent="0" algn="l" defTabSz="914400" rtl="0" eaLnBrk="1" fontAlgn="base" latinLnBrk="0" hangingPunct="1">
-              <a:lnSpc>
-                <a:spcPct val="100000"/>
-              </a:lnSpc>
-              <a:spcBef>
-                <a:spcPct val="0"/>
-              </a:spcBef>
-              <a:spcAft>
-                <a:spcPct val="0"/>
-              </a:spcAft>
-              <a:buClrTx/>
-              <a:buSzTx/>
-              <a:buFontTx/>
-              <a:buNone/>
-              <a:tabLst/>
-            </a:pPr>
-            <a:endParaRPr kumimoji="0" lang="en-US" sz="2400" b="0" i="0" u="none" strike="noStrike" cap="none" normalizeH="0" baseline="0">
-              <a:ln>
-                <a:noFill/>
-              </a:ln>
-              <a:solidFill>
-                <a:schemeClr val="accent2"/>
-              </a:solidFill>
-              <a:effectLst/>
-              <a:latin typeface="Roboto Light"/>
-              <a:cs typeface="Roboto Light"/>
-            </a:endParaRPr>
-          </a:p>
-        </p:txBody>
-      </p:sp>
-      <p:sp>
-        <p:nvSpPr>
-          <p:cNvPr id="24" name="Freeform 23"/>
-          <p:cNvSpPr/>
-          <p:nvPr/>
-        </p:nvSpPr>
-        <p:spPr bwMode="auto">
-          <a:xfrm>
-            <a:off x="734669" y="3015053"/>
-            <a:ext cx="4932774" cy="1346147"/>
-          </a:xfrm>
-          <a:custGeom>
-            <a:avLst/>
-            <a:gdLst>
-              <a:gd name="connsiteX0" fmla="*/ 0 w 4932774"/>
-              <a:gd name="connsiteY0" fmla="*/ 1794862 h 1794862"/>
-              <a:gd name="connsiteX1" fmla="*/ 4355535 w 4932774"/>
-              <a:gd name="connsiteY1" fmla="*/ 1784366 h 1794862"/>
-              <a:gd name="connsiteX2" fmla="*/ 4932774 w 4932774"/>
-              <a:gd name="connsiteY2" fmla="*/ 0 h 1794862"/>
-            </a:gdLst>
-            <a:ahLst/>
-            <a:cxnLst>
-              <a:cxn ang="0">
-                <a:pos x="connsiteX0" y="connsiteY0"/>
-              </a:cxn>
-              <a:cxn ang="0">
-                <a:pos x="connsiteX1" y="connsiteY1"/>
-              </a:cxn>
-              <a:cxn ang="0">
-                <a:pos x="connsiteX2" y="connsiteY2"/>
-              </a:cxn>
-            </a:cxnLst>
-            <a:rect l="l" t="t" r="r" b="b"/>
-            <a:pathLst>
-              <a:path w="4932774" h="1794862">
-                <a:moveTo>
-                  <a:pt x="0" y="1794862"/>
-                </a:moveTo>
-                <a:lnTo>
-                  <a:pt x="4355535" y="1784366"/>
-                </a:lnTo>
-                <a:lnTo>
-                  <a:pt x="4932774" y="0"/>
-                </a:lnTo>
-              </a:path>
-            </a:pathLst>
-          </a:custGeom>
-          <a:noFill/>
-          <a:ln w="28575" cap="flat" cmpd="sng" algn="ctr">
-            <a:solidFill>
-              <a:srgbClr val="000000"/>
-            </a:solidFill>
-            <a:prstDash val="solid"/>
-            <a:round/>
-            <a:headEnd type="triangle" w="med" len="med"/>
-            <a:tailEnd type="triangle" w="med" len="med"/>
-          </a:ln>
-          <a:effectLst/>
-        </p:spPr>
-        <p:txBody>
-          <a:bodyPr vert="horz" wrap="square" lIns="91440" tIns="45720" rIns="91440" bIns="45720" numCol="1" rtlCol="0" anchor="t" anchorCtr="0" compatLnSpc="1">
-            <a:prstTxWarp prst="textNoShape">
-              <a:avLst/>
-            </a:prstTxWarp>
-          </a:bodyPr>
-          <a:lstStyle/>
-          <a:p>
-            <a:pPr marL="0" marR="0" indent="0" algn="l" defTabSz="914400" rtl="0" eaLnBrk="1" fontAlgn="base" latinLnBrk="0" hangingPunct="1">
-              <a:lnSpc>
-                <a:spcPct val="100000"/>
-              </a:lnSpc>
-              <a:spcBef>
-                <a:spcPct val="0"/>
-              </a:spcBef>
-              <a:spcAft>
-                <a:spcPct val="0"/>
-              </a:spcAft>
-              <a:buClrTx/>
-              <a:buSzTx/>
-              <a:buFontTx/>
-              <a:buNone/>
-              <a:tabLst/>
-            </a:pPr>
-            <a:endParaRPr kumimoji="0" lang="en-US" sz="2400" b="0" i="0" u="none" strike="noStrike" cap="none" normalizeH="0" baseline="0">
-              <a:ln>
-                <a:noFill/>
-              </a:ln>
-              <a:solidFill>
-                <a:schemeClr val="accent2"/>
-              </a:solidFill>
-              <a:effectLst/>
-              <a:latin typeface="Roboto Light"/>
-              <a:cs typeface="Roboto Light"/>
-            </a:endParaRPr>
-          </a:p>
-        </p:txBody>
-      </p:sp>
-      <p:sp>
-        <p:nvSpPr>
-          <p:cNvPr id="25" name="Freeform 24"/>
-          <p:cNvSpPr/>
-          <p:nvPr/>
-        </p:nvSpPr>
-        <p:spPr bwMode="auto">
-          <a:xfrm>
-            <a:off x="6066263" y="3022926"/>
-            <a:ext cx="1574290" cy="1172959"/>
-          </a:xfrm>
-          <a:custGeom>
-            <a:avLst/>
-            <a:gdLst>
-              <a:gd name="connsiteX0" fmla="*/ 1574290 w 1574290"/>
-              <a:gd name="connsiteY0" fmla="*/ 1553448 h 1563945"/>
-              <a:gd name="connsiteX1" fmla="*/ 713678 w 1574290"/>
-              <a:gd name="connsiteY1" fmla="*/ 1563945 h 1563945"/>
-              <a:gd name="connsiteX2" fmla="*/ 0 w 1574290"/>
-              <a:gd name="connsiteY2" fmla="*/ 0 h 1563945"/>
-            </a:gdLst>
-            <a:ahLst/>
-            <a:cxnLst>
-              <a:cxn ang="0">
-                <a:pos x="connsiteX0" y="connsiteY0"/>
-              </a:cxn>
-              <a:cxn ang="0">
-                <a:pos x="connsiteX1" y="connsiteY1"/>
-              </a:cxn>
-              <a:cxn ang="0">
-                <a:pos x="connsiteX2" y="connsiteY2"/>
-              </a:cxn>
-            </a:cxnLst>
-            <a:rect l="l" t="t" r="r" b="b"/>
-            <a:pathLst>
-              <a:path w="1574290" h="1563945">
-                <a:moveTo>
-                  <a:pt x="1574290" y="1553448"/>
-                </a:moveTo>
-                <a:lnTo>
-                  <a:pt x="713678" y="1563945"/>
-                </a:lnTo>
-                <a:lnTo>
-                  <a:pt x="0" y="0"/>
-                </a:lnTo>
-              </a:path>
-            </a:pathLst>
-          </a:custGeom>
-          <a:noFill/>
-          <a:ln w="28575" cap="flat" cmpd="sng" algn="ctr">
-            <a:solidFill>
-              <a:srgbClr val="000000"/>
-            </a:solidFill>
-            <a:prstDash val="solid"/>
-            <a:round/>
-            <a:headEnd type="triangle" w="med" len="med"/>
-            <a:tailEnd type="triangle" w="med" len="med"/>
-          </a:ln>
-          <a:effectLst/>
-        </p:spPr>
-        <p:txBody>
-          <a:bodyPr vert="horz" wrap="square" lIns="91440" tIns="45720" rIns="91440" bIns="45720" numCol="1" rtlCol="0" anchor="t" anchorCtr="0" compatLnSpc="1">
-            <a:prstTxWarp prst="textNoShape">
-              <a:avLst/>
-            </a:prstTxWarp>
-          </a:bodyPr>
-          <a:lstStyle/>
-          <a:p>
-            <a:pPr marL="0" marR="0" indent="0" algn="l" defTabSz="914400" rtl="0" eaLnBrk="1" fontAlgn="base" latinLnBrk="0" hangingPunct="1">
-              <a:lnSpc>
-                <a:spcPct val="100000"/>
-              </a:lnSpc>
-              <a:spcBef>
-                <a:spcPct val="0"/>
-              </a:spcBef>
-              <a:spcAft>
-                <a:spcPct val="0"/>
-              </a:spcAft>
-              <a:buClrTx/>
-              <a:buSzTx/>
-              <a:buFontTx/>
-              <a:buNone/>
-              <a:tabLst/>
-            </a:pPr>
-            <a:endParaRPr kumimoji="0" lang="en-US" sz="2400" b="0" i="0" u="none" strike="noStrike" cap="none" normalizeH="0" baseline="0">
-              <a:ln>
-                <a:noFill/>
-              </a:ln>
-              <a:solidFill>
-                <a:schemeClr val="accent2"/>
-              </a:solidFill>
-              <a:effectLst/>
-              <a:latin typeface="Roboto Light"/>
-              <a:cs typeface="Roboto Light"/>
-            </a:endParaRPr>
-          </a:p>
-        </p:txBody>
-      </p:sp>
-      <p:sp>
-        <p:nvSpPr>
-          <p:cNvPr id="26" name="TextBox 25"/>
-          <p:cNvSpPr txBox="1"/>
-          <p:nvPr/>
-        </p:nvSpPr>
-        <p:spPr>
-          <a:xfrm>
-            <a:off x="2519809" y="2247909"/>
-            <a:ext cx="1005654" cy="369332"/>
-          </a:xfrm>
-          <a:prstGeom prst="rect">
-            <a:avLst/>
-          </a:prstGeom>
-          <a:noFill/>
-          <a:effectLst/>
-        </p:spPr>
-        <p:txBody>
-          <a:bodyPr wrap="none" rtlCol="0" anchor="ctr">
-            <a:spAutoFit/>
-          </a:bodyPr>
-          <a:lstStyle/>
-          <a:p>
-            <a:pPr algn="ctr"/>
-            <a:r>
-              <a:rPr lang="en-US" dirty="0">
-                <a:solidFill>
-                  <a:srgbClr val="000000"/>
-                </a:solidFill>
-                <a:latin typeface="Roboto Light"/>
-                <a:cs typeface="Roboto Light"/>
-              </a:rPr>
-              <a:t>Process</a:t>
-            </a:r>
-          </a:p>
-        </p:txBody>
-      </p:sp>
-      <p:sp>
-        <p:nvSpPr>
-          <p:cNvPr id="27" name="TextBox 26"/>
-          <p:cNvSpPr txBox="1"/>
-          <p:nvPr/>
-        </p:nvSpPr>
-        <p:spPr>
-          <a:xfrm>
-            <a:off x="325492" y="3874659"/>
-            <a:ext cx="1274708" cy="369332"/>
-          </a:xfrm>
-          <a:prstGeom prst="rect">
-            <a:avLst/>
-          </a:prstGeom>
-          <a:noFill/>
-          <a:effectLst/>
-        </p:spPr>
-        <p:txBody>
-          <a:bodyPr wrap="square" rtlCol="0" anchor="ctr">
-            <a:spAutoFit/>
-          </a:bodyPr>
-          <a:lstStyle/>
-          <a:p>
-            <a:pPr algn="ctr"/>
-            <a:r>
-              <a:rPr lang="en-US" dirty="0">
-                <a:solidFill>
-                  <a:srgbClr val="000000"/>
-                </a:solidFill>
-                <a:latin typeface="Roboto Light"/>
-                <a:cs typeface="Roboto Light"/>
-              </a:rPr>
-              <a:t>Network</a:t>
-            </a:r>
-          </a:p>
-        </p:txBody>
-      </p:sp>
-      <p:sp>
-        <p:nvSpPr>
-          <p:cNvPr id="28" name="TextBox 27"/>
-          <p:cNvSpPr txBox="1"/>
-          <p:nvPr/>
-        </p:nvSpPr>
-        <p:spPr>
-          <a:xfrm>
-            <a:off x="5133319" y="1389306"/>
-            <a:ext cx="1467068" cy="369332"/>
-          </a:xfrm>
-          <a:prstGeom prst="rect">
-            <a:avLst/>
-          </a:prstGeom>
-          <a:noFill/>
-          <a:effectLst/>
-        </p:spPr>
-        <p:txBody>
-          <a:bodyPr wrap="none" rtlCol="0" anchor="ctr">
-            <a:spAutoFit/>
-          </a:bodyPr>
-          <a:lstStyle/>
-          <a:p>
-            <a:pPr algn="ctr"/>
-            <a:r>
-              <a:rPr lang="en-US" dirty="0">
-                <a:solidFill>
-                  <a:srgbClr val="000000"/>
-                </a:solidFill>
-                <a:latin typeface="Roboto Light"/>
-                <a:cs typeface="Roboto Light"/>
-              </a:rPr>
-              <a:t>Environment</a:t>
-            </a:r>
-          </a:p>
-        </p:txBody>
-      </p:sp>
-      <p:sp>
-        <p:nvSpPr>
-          <p:cNvPr id="29" name="TextBox 28"/>
-          <p:cNvSpPr txBox="1"/>
-          <p:nvPr/>
-        </p:nvSpPr>
-        <p:spPr>
-          <a:xfrm>
-            <a:off x="5393895" y="3909284"/>
-            <a:ext cx="945917" cy="646331"/>
-          </a:xfrm>
-          <a:prstGeom prst="rect">
-            <a:avLst/>
-          </a:prstGeom>
-          <a:noFill/>
-          <a:effectLst/>
-        </p:spPr>
-        <p:txBody>
-          <a:bodyPr wrap="none" rtlCol="0" anchor="ctr">
-            <a:spAutoFit/>
-          </a:bodyPr>
-          <a:lstStyle/>
-          <a:p>
-            <a:pPr algn="ctr"/>
-            <a:r>
-              <a:rPr lang="en-US" dirty="0">
-                <a:solidFill>
-                  <a:srgbClr val="000000"/>
-                </a:solidFill>
-                <a:latin typeface="Roboto Light"/>
-                <a:cs typeface="Roboto Light"/>
-              </a:rPr>
-              <a:t>File </a:t>
-            </a:r>
-            <a:br>
-              <a:rPr lang="en-US" dirty="0">
-                <a:solidFill>
-                  <a:srgbClr val="000000"/>
-                </a:solidFill>
-                <a:latin typeface="Roboto Light"/>
-                <a:cs typeface="Roboto Light"/>
-              </a:rPr>
-            </a:br>
-            <a:r>
-              <a:rPr lang="en-US" dirty="0">
-                <a:solidFill>
-                  <a:srgbClr val="000000"/>
-                </a:solidFill>
-                <a:latin typeface="Roboto Light"/>
-                <a:cs typeface="Roboto Light"/>
-              </a:rPr>
-              <a:t>System</a:t>
-            </a:r>
-          </a:p>
-        </p:txBody>
-      </p:sp>
-      <p:sp>
-        <p:nvSpPr>
-          <p:cNvPr id="31" name="TextBox 30"/>
-          <p:cNvSpPr txBox="1"/>
-          <p:nvPr/>
-        </p:nvSpPr>
-        <p:spPr>
-          <a:xfrm>
-            <a:off x="7624052" y="3550309"/>
-            <a:ext cx="1077902" cy="369332"/>
-          </a:xfrm>
-          <a:prstGeom prst="rect">
-            <a:avLst/>
-          </a:prstGeom>
-          <a:noFill/>
-          <a:effectLst/>
-        </p:spPr>
-        <p:txBody>
-          <a:bodyPr wrap="none" rtlCol="0" anchor="ctr">
-            <a:spAutoFit/>
-          </a:bodyPr>
-          <a:lstStyle/>
-          <a:p>
-            <a:pPr algn="ctr"/>
-            <a:r>
-              <a:rPr lang="en-US" dirty="0">
-                <a:solidFill>
-                  <a:srgbClr val="000000"/>
-                </a:solidFill>
-                <a:latin typeface="Roboto Light"/>
-                <a:cs typeface="Roboto Light"/>
-              </a:rPr>
-              <a:t>Terminal</a:t>
-            </a:r>
-          </a:p>
-        </p:txBody>
-      </p:sp>
-      <p:sp>
-        <p:nvSpPr>
-          <p:cNvPr id="32" name="TextBox 31"/>
-          <p:cNvSpPr txBox="1"/>
-          <p:nvPr/>
-        </p:nvSpPr>
-        <p:spPr>
-          <a:xfrm>
-            <a:off x="5200019" y="2247909"/>
-            <a:ext cx="1312679" cy="369332"/>
-          </a:xfrm>
-          <a:prstGeom prst="rect">
-            <a:avLst/>
-          </a:prstGeom>
-          <a:noFill/>
-          <a:effectLst/>
-        </p:spPr>
-        <p:txBody>
-          <a:bodyPr wrap="none" rtlCol="0" anchor="ctr">
-            <a:spAutoFit/>
-          </a:bodyPr>
-          <a:lstStyle/>
-          <a:p>
-            <a:pPr algn="ctr"/>
-            <a:r>
-              <a:rPr lang="en-US" dirty="0">
-                <a:solidFill>
-                  <a:srgbClr val="000000"/>
-                </a:solidFill>
-                <a:latin typeface="Roboto Light"/>
-                <a:cs typeface="Roboto Light"/>
-              </a:rPr>
-              <a:t>Application</a:t>
-            </a:r>
-          </a:p>
-        </p:txBody>
-      </p:sp>
-      <p:sp>
-        <p:nvSpPr>
-          <p:cNvPr id="33" name="TextBox 32"/>
-          <p:cNvSpPr txBox="1"/>
-          <p:nvPr/>
-        </p:nvSpPr>
-        <p:spPr>
-          <a:xfrm>
-            <a:off x="2079178" y="3701535"/>
-            <a:ext cx="477602" cy="369332"/>
-          </a:xfrm>
-          <a:prstGeom prst="rect">
-            <a:avLst/>
-          </a:prstGeom>
-          <a:noFill/>
-          <a:effectLst/>
-        </p:spPr>
-        <p:txBody>
-          <a:bodyPr wrap="none" rtlCol="0" anchor="ctr">
-            <a:spAutoFit/>
-          </a:bodyPr>
-          <a:lstStyle/>
-          <a:p>
-            <a:pPr algn="ctr"/>
-            <a:r>
-              <a:rPr lang="en-US" dirty="0">
-                <a:solidFill>
-                  <a:srgbClr val="000000"/>
-                </a:solidFill>
-                <a:latin typeface="Roboto Light"/>
-                <a:cs typeface="Roboto Light"/>
-              </a:rPr>
-              <a:t>OS</a:t>
-            </a:r>
-          </a:p>
-        </p:txBody>
-      </p:sp>
-      <p:pic>
-        <p:nvPicPr>
-          <p:cNvPr id="9" name="Graphic 8">
+          <p:cNvPr id="2" name="Title 1">
             <a:extLst>
               <a:ext uri="{FF2B5EF4-FFF2-40B4-BE49-F238E27FC236}">
-                <a16:creationId xmlns:a16="http://schemas.microsoft.com/office/drawing/2014/main" id="{BD30D16A-E67D-219F-6F2F-EA165B21CBE0}"/>
+                <a16:creationId xmlns:a16="http://schemas.microsoft.com/office/drawing/2014/main" id="{24693AE2-7855-5D5C-32DC-3BCFD4370D9C}"/>
               </a:ext>
             </a:extLst>
           </p:cNvPr>
-          <p:cNvPicPr>
-            <a:picLocks noChangeAspect="1"/>
-          </p:cNvPicPr>
-          <p:nvPr/>
-        </p:nvPicPr>
-        <p:blipFill rotWithShape="1">
-          <a:blip r:embed="rId2">
+          <p:cNvSpPr>
+            <a:spLocks noGrp="1"/>
+          </p:cNvSpPr>
+          <p:nvPr>
+            <p:ph type="title"/>
+          </p:nvPr>
+        </p:nvSpPr>
+        <p:spPr/>
+        <p:txBody>
+          <a:bodyPr/>
+          <a:lstStyle/>
+          <a:p>
+            <a:r>
+              <a:rPr lang="en-US" dirty="0"/>
+              <a:t>Applications</a:t>
+            </a:r>
+          </a:p>
+        </p:txBody>
+      </p:sp>
+      <p:sp>
+        <p:nvSpPr>
+          <p:cNvPr id="3" name="Content Placeholder 2">
             <a:extLst>
-              <a:ext uri="{96DAC541-7B7A-43D3-8B79-37D633B846F1}">
-                <asvg:svgBlip xmlns:asvg="http://schemas.microsoft.com/office/drawing/2016/SVG/main" r:embed="rId3"/>
+              <a:ext uri="{FF2B5EF4-FFF2-40B4-BE49-F238E27FC236}">
+                <a16:creationId xmlns:a16="http://schemas.microsoft.com/office/drawing/2014/main" id="{090FBA97-EC3E-6972-F963-8B638A6DD1BE}"/>
               </a:ext>
             </a:extLst>
-          </a:blip>
-          <a:srcRect b="18370"/>
-          <a:stretch/>
-        </p:blipFill>
-        <p:spPr>
-          <a:xfrm>
-            <a:off x="7797005" y="3886201"/>
-            <a:ext cx="750474" cy="759638"/>
-          </a:xfrm>
-          <a:prstGeom prst="rect">
-            <a:avLst/>
-          </a:prstGeom>
-        </p:spPr>
-      </p:pic>
+          </p:cNvPr>
+          <p:cNvSpPr>
+            <a:spLocks noGrp="1"/>
+          </p:cNvSpPr>
+          <p:nvPr>
+            <p:ph idx="1"/>
+          </p:nvPr>
+        </p:nvSpPr>
+        <p:spPr/>
+        <p:txBody>
+          <a:bodyPr/>
+          <a:lstStyle/>
+          <a:p>
+            <a:r>
+              <a:rPr lang="en-US" dirty="0"/>
+              <a:t>Applications can be local or network-accessible</a:t>
+            </a:r>
+          </a:p>
+          <a:p>
+            <a:r>
+              <a:rPr lang="en-US" dirty="0"/>
+              <a:t>What an application can and cannot do depends on:</a:t>
+            </a:r>
+          </a:p>
+          <a:p>
+            <a:pPr lvl="1"/>
+            <a:r>
+              <a:rPr lang="en-US" dirty="0"/>
+              <a:t>The characteristics of the application</a:t>
+            </a:r>
+          </a:p>
+          <a:p>
+            <a:pPr lvl="1"/>
+            <a:r>
+              <a:rPr lang="en-US" dirty="0"/>
+              <a:t>Who launched the application</a:t>
+            </a:r>
+          </a:p>
+          <a:p>
+            <a:r>
+              <a:rPr lang="en-US" dirty="0"/>
+              <a:t>These aspects depend on the underlying operating system</a:t>
+            </a:r>
+          </a:p>
+          <a:p>
+            <a:pPr lvl="1"/>
+            <a:r>
+              <a:rPr lang="en-US" dirty="0"/>
+              <a:t>Windows security model</a:t>
+            </a:r>
+          </a:p>
+          <a:p>
+            <a:pPr lvl="1"/>
+            <a:r>
+              <a:rPr lang="en-US" dirty="0"/>
+              <a:t>MacOS security model</a:t>
+            </a:r>
+          </a:p>
+          <a:p>
+            <a:pPr lvl="1"/>
+            <a:r>
+              <a:rPr lang="en-US" dirty="0"/>
+              <a:t>Linux security model</a:t>
+            </a:r>
+          </a:p>
+          <a:p>
+            <a:r>
+              <a:rPr lang="en-US" dirty="0"/>
+              <a:t>A vulnerability allows an attacker to perform actions beyond those intended by the application</a:t>
+            </a:r>
+          </a:p>
+          <a:p>
+            <a:endParaRPr lang="en-US" dirty="0"/>
+          </a:p>
+        </p:txBody>
+      </p:sp>
     </p:spTree>
     <p:extLst>
       <p:ext uri="{BB962C8B-B14F-4D97-AF65-F5344CB8AC3E}">
-        <p14:creationId xmlns:p14="http://schemas.microsoft.com/office/powerpoint/2010/main" val="2823498950"/>
+        <p14:creationId xmlns:p14="http://schemas.microsoft.com/office/powerpoint/2010/main" val="723471362"/>
       </p:ext>
     </p:extLst>
   </p:cSld>
@@ -4047,7 +3024,7 @@
           <p:cNvPr id="2" name="Title 1">
             <a:extLst>
               <a:ext uri="{FF2B5EF4-FFF2-40B4-BE49-F238E27FC236}">
-                <a16:creationId xmlns:a16="http://schemas.microsoft.com/office/drawing/2014/main" id="{0B27AC73-4A9E-4CEF-E97C-90521D7BF603}"/>
+                <a16:creationId xmlns:a16="http://schemas.microsoft.com/office/drawing/2014/main" id="{8B47F120-7D19-75C2-52CD-76C5B3204A3D}"/>
               </a:ext>
             </a:extLst>
           </p:cNvPr>
@@ -4065,7 +3042,7 @@
           <a:p>
             <a:r>
               <a:rPr lang="en-US" dirty="0"/>
-              <a:t>Application Actions</a:t>
+              <a:t>Target Visibility and Access</a:t>
             </a:r>
           </a:p>
         </p:txBody>
@@ -4075,7 +3052,7 @@
           <p:cNvPr id="3" name="Content Placeholder 2">
             <a:extLst>
               <a:ext uri="{FF2B5EF4-FFF2-40B4-BE49-F238E27FC236}">
-                <a16:creationId xmlns:a16="http://schemas.microsoft.com/office/drawing/2014/main" id="{E0DCF947-700B-4A14-3DD1-DF58CB9EE29B}"/>
+                <a16:creationId xmlns:a16="http://schemas.microsoft.com/office/drawing/2014/main" id="{50E39551-A43B-AE81-4850-93F492C28D4D}"/>
               </a:ext>
             </a:extLst>
           </p:cNvPr>
@@ -4093,54 +3070,25 @@
           <a:p>
             <a:r>
               <a:rPr lang="en-US" dirty="0"/>
-              <a:t>What an application can and cannot do depends on:</a:t>
-            </a:r>
-          </a:p>
-          <a:p>
-            <a:pPr lvl="1"/>
-            <a:r>
-              <a:rPr lang="en-US" dirty="0"/>
-              <a:t>The characteristics of the application</a:t>
-            </a:r>
-          </a:p>
-          <a:p>
-            <a:pPr lvl="1"/>
-            <a:r>
-              <a:rPr lang="en-US" dirty="0"/>
-              <a:t>Who launched the application</a:t>
-            </a:r>
-          </a:p>
-          <a:p>
-            <a:r>
-              <a:rPr lang="en-US" dirty="0"/>
-              <a:t>These aspects depend on the underlying operating system</a:t>
-            </a:r>
-          </a:p>
-          <a:p>
-            <a:pPr lvl="1"/>
-            <a:r>
-              <a:rPr lang="en-US" dirty="0"/>
-              <a:t>Windows security model</a:t>
-            </a:r>
-          </a:p>
-          <a:p>
-            <a:pPr lvl="1"/>
-            <a:r>
-              <a:rPr lang="en-US" dirty="0"/>
-              <a:t>MacOS security model</a:t>
-            </a:r>
-          </a:p>
-          <a:p>
-            <a:pPr lvl="1"/>
-            <a:r>
-              <a:rPr lang="en-US" dirty="0"/>
-              <a:t>Linux security model</a:t>
-            </a:r>
-          </a:p>
-          <a:p>
-            <a:r>
-              <a:rPr lang="en-US" dirty="0"/>
-              <a:t>A vulnerability allows an attacker to perform actions beyond those intended by the application</a:t>
+              <a:t>A black-box target can only be probed by providing inputs and analyzing output</a:t>
+            </a:r>
+          </a:p>
+          <a:p>
+            <a:r>
+              <a:rPr lang="en-US" dirty="0"/>
+              <a:t>Access to executable code (binary) supports better understanding (and possibly debugging)</a:t>
+            </a:r>
+          </a:p>
+          <a:p>
+            <a:r>
+              <a:rPr lang="en-US" dirty="0"/>
+              <a:t>The availability of source code allows for deeper understanding of the target’s behavior</a:t>
+            </a:r>
+          </a:p>
+          <a:p>
+            <a:r>
+              <a:rPr lang="en-US" dirty="0"/>
+              <a:t>Access to a build environment allows one to create different versions of the target (e.g., to add instrumentation) </a:t>
             </a:r>
           </a:p>
         </p:txBody>
@@ -4148,7 +3096,7 @@
     </p:spTree>
     <p:extLst>
       <p:ext uri="{BB962C8B-B14F-4D97-AF65-F5344CB8AC3E}">
-        <p14:creationId xmlns:p14="http://schemas.microsoft.com/office/powerpoint/2010/main" val="2265439564"/>
+        <p14:creationId xmlns:p14="http://schemas.microsoft.com/office/powerpoint/2010/main" val="807827772"/>
       </p:ext>
     </p:extLst>
   </p:cSld>
@@ -4180,7 +3128,7 @@
           <p:cNvPr id="2" name="Title 1">
             <a:extLst>
               <a:ext uri="{FF2B5EF4-FFF2-40B4-BE49-F238E27FC236}">
-                <a16:creationId xmlns:a16="http://schemas.microsoft.com/office/drawing/2014/main" id="{8B47F120-7D19-75C2-52CD-76C5B3204A3D}"/>
+                <a16:creationId xmlns:a16="http://schemas.microsoft.com/office/drawing/2014/main" id="{31664504-C791-CC40-1E25-2336507BE8C9}"/>
               </a:ext>
             </a:extLst>
           </p:cNvPr>
@@ -4198,7 +3146,7 @@
           <a:p>
             <a:r>
               <a:rPr lang="en-US" dirty="0"/>
-              <a:t>Target Visibility and Access</a:t>
+              <a:t>Target Slicing</a:t>
             </a:r>
           </a:p>
         </p:txBody>
@@ -4208,7 +3156,7 @@
           <p:cNvPr id="3" name="Content Placeholder 2">
             <a:extLst>
               <a:ext uri="{FF2B5EF4-FFF2-40B4-BE49-F238E27FC236}">
-                <a16:creationId xmlns:a16="http://schemas.microsoft.com/office/drawing/2014/main" id="{50E39551-A43B-AE81-4850-93F492C28D4D}"/>
+                <a16:creationId xmlns:a16="http://schemas.microsoft.com/office/drawing/2014/main" id="{FD51FF65-EE00-A11A-B937-974DAE4B75B0}"/>
               </a:ext>
             </a:extLst>
           </p:cNvPr>
@@ -4226,25 +3174,19 @@
           <a:p>
             <a:r>
               <a:rPr lang="en-US" dirty="0"/>
-              <a:t>A black-box target can only be probed by providing inputs and analyzing output</a:t>
-            </a:r>
-          </a:p>
-          <a:p>
-            <a:r>
-              <a:rPr lang="en-US" dirty="0"/>
-              <a:t>Access to executable code (binary) supports better understanding (and possibly debugging)</a:t>
-            </a:r>
-          </a:p>
-          <a:p>
-            <a:r>
-              <a:rPr lang="en-US" dirty="0"/>
-              <a:t>The availability of source code allows for deeper understanding of the target’s behavior</a:t>
-            </a:r>
-          </a:p>
-          <a:p>
-            <a:r>
-              <a:rPr lang="en-US" dirty="0"/>
-              <a:t>Access to a build environment allows one to create different versions of the target (e.g., to add instrumentation) </a:t>
+              <a:t>Sometimes targets are too complex to be analyzed as a whole</a:t>
+            </a:r>
+          </a:p>
+          <a:p>
+            <a:r>
+              <a:rPr lang="en-US" dirty="0"/>
+              <a:t>Sometimes the sub-component of a target is difficult to reach</a:t>
+            </a:r>
+          </a:p>
+          <a:p>
+            <a:r>
+              <a:rPr lang="en-US" dirty="0"/>
+              <a:t>Slicing is the process of extracting from a target’s code base the subset of functionality that needs to be analyzed</a:t>
             </a:r>
           </a:p>
         </p:txBody>
@@ -4252,7 +3194,7 @@
     </p:spTree>
     <p:extLst>
       <p:ext uri="{BB962C8B-B14F-4D97-AF65-F5344CB8AC3E}">
-        <p14:creationId xmlns:p14="http://schemas.microsoft.com/office/powerpoint/2010/main" val="807827772"/>
+        <p14:creationId xmlns:p14="http://schemas.microsoft.com/office/powerpoint/2010/main" val="3829067270"/>
       </p:ext>
     </p:extLst>
   </p:cSld>
@@ -4281,10 +3223,10 @@
       </p:grpSpPr>
       <p:sp>
         <p:nvSpPr>
-          <p:cNvPr id="2" name="Title 1">
+          <p:cNvPr id="4" name="Title 3">
             <a:extLst>
               <a:ext uri="{FF2B5EF4-FFF2-40B4-BE49-F238E27FC236}">
-                <a16:creationId xmlns:a16="http://schemas.microsoft.com/office/drawing/2014/main" id="{31664504-C791-CC40-1E25-2336507BE8C9}"/>
+                <a16:creationId xmlns:a16="http://schemas.microsoft.com/office/drawing/2014/main" id="{3FB504B9-65FD-7A49-873D-3E542E63AB04}"/>
               </a:ext>
             </a:extLst>
           </p:cNvPr>
@@ -4302,17 +3244,17 @@
           <a:p>
             <a:r>
               <a:rPr lang="en-US" dirty="0"/>
-              <a:t>Target Slicing</a:t>
-            </a:r>
-          </a:p>
-        </p:txBody>
-      </p:sp>
-      <p:sp>
-        <p:nvSpPr>
-          <p:cNvPr id="3" name="Content Placeholder 2">
+              <a:t>Example</a:t>
+            </a:r>
+          </a:p>
+        </p:txBody>
+      </p:sp>
+      <p:sp>
+        <p:nvSpPr>
+          <p:cNvPr id="5" name="Content Placeholder 4">
             <a:extLst>
               <a:ext uri="{FF2B5EF4-FFF2-40B4-BE49-F238E27FC236}">
-                <a16:creationId xmlns:a16="http://schemas.microsoft.com/office/drawing/2014/main" id="{FD51FF65-EE00-A11A-B937-974DAE4B75B0}"/>
+                <a16:creationId xmlns:a16="http://schemas.microsoft.com/office/drawing/2014/main" id="{7506568A-CC48-C60A-B367-EC2E6CD4736F}"/>
               </a:ext>
             </a:extLst>
           </p:cNvPr>
@@ -4320,7 +3262,7 @@
             <a:spLocks noGrp="1"/>
           </p:cNvSpPr>
           <p:nvPr>
-            <p:ph idx="1"/>
+            <p:ph sz="half" idx="1"/>
           </p:nvPr>
         </p:nvSpPr>
         <p:spPr/>
@@ -4328,34 +3270,281 @@
           <a:bodyPr/>
           <a:lstStyle/>
           <a:p>
-            <a:r>
-              <a:rPr lang="en-US" dirty="0"/>
-              <a:t>Sometimes targets are too complex to be analyzed as a whole</a:t>
-            </a:r>
-          </a:p>
-          <a:p>
-            <a:r>
-              <a:rPr lang="en-US" dirty="0"/>
-              <a:t>Sometimes the sub-component of a target is difficult to reach</a:t>
-            </a:r>
-          </a:p>
-          <a:p>
-            <a:r>
-              <a:rPr lang="en-US" dirty="0"/>
-              <a:t>Slicing is the process of extracting from a target’s code base the subset of functionality that needs to be </a:t>
+            <a:pPr marL="0" indent="0">
+              <a:buNone/>
+            </a:pPr>
+            <a:r>
+              <a:rPr lang="en-US" dirty="0"/>
+              <a:t>Original:</a:t>
+            </a:r>
+          </a:p>
+          <a:p>
+            <a:pPr marL="0" indent="0">
+              <a:buNone/>
+            </a:pPr>
+            <a:r>
+              <a:rPr lang="en-US" dirty="0"/>
+              <a:t>int main(int </a:t>
             </a:r>
             <a:r>
               <a:rPr lang="en-US" dirty="0" err="1"/>
-              <a:t>analzyed</a:t>
-            </a:r>
-            <a:endParaRPr lang="en-US" dirty="0"/>
+              <a:t>argc</a:t>
+            </a:r>
+            <a:r>
+              <a:rPr lang="en-US" dirty="0"/>
+              <a:t>, char* </a:t>
+            </a:r>
+            <a:r>
+              <a:rPr lang="en-US" dirty="0" err="1"/>
+              <a:t>argv</a:t>
+            </a:r>
+            <a:r>
+              <a:rPr lang="en-US" dirty="0"/>
+              <a:t>[]) {</a:t>
+            </a:r>
+          </a:p>
+          <a:p>
+            <a:pPr marL="0" indent="0">
+              <a:buNone/>
+            </a:pPr>
+            <a:r>
+              <a:rPr lang="en-US" dirty="0"/>
+              <a:t>	struct </a:t>
+            </a:r>
+            <a:r>
+              <a:rPr lang="en-US" dirty="0" err="1"/>
+              <a:t>appenv</a:t>
+            </a:r>
+            <a:r>
+              <a:rPr lang="en-US" dirty="0"/>
+              <a:t> *app;</a:t>
+            </a:r>
+          </a:p>
+          <a:p>
+            <a:pPr marL="0" indent="0">
+              <a:buNone/>
+            </a:pPr>
+            <a:r>
+              <a:rPr lang="en-US" dirty="0"/>
+              <a:t>	app = initialization(</a:t>
+            </a:r>
+            <a:r>
+              <a:rPr lang="en-US" dirty="0" err="1"/>
+              <a:t>argv</a:t>
+            </a:r>
+            <a:r>
+              <a:rPr lang="en-US" dirty="0"/>
+              <a:t>[1]);</a:t>
+            </a:r>
+          </a:p>
+          <a:p>
+            <a:pPr marL="0" indent="0">
+              <a:buNone/>
+            </a:pPr>
+            <a:r>
+              <a:rPr lang="en-US" dirty="0"/>
+              <a:t>	lengthy(</a:t>
+            </a:r>
+            <a:r>
+              <a:rPr lang="en-US" dirty="0" err="1"/>
+              <a:t>argv</a:t>
+            </a:r>
+            <a:r>
+              <a:rPr lang="en-US" dirty="0"/>
+              <a:t>[2]);</a:t>
+            </a:r>
+          </a:p>
+          <a:p>
+            <a:pPr marL="0" indent="0">
+              <a:buNone/>
+            </a:pPr>
+            <a:r>
+              <a:rPr lang="en-US" dirty="0"/>
+              <a:t>	pass = </a:t>
+            </a:r>
+            <a:r>
+              <a:rPr lang="en-US" dirty="0" err="1"/>
+              <a:t>getpass</a:t>
+            </a:r>
+            <a:r>
+              <a:rPr lang="en-US" dirty="0"/>
+              <a:t>();</a:t>
+            </a:r>
+          </a:p>
+          <a:p>
+            <a:pPr marL="0" indent="0">
+              <a:buNone/>
+            </a:pPr>
+            <a:r>
+              <a:rPr lang="en-US" dirty="0"/>
+              <a:t>	if (!verify(pass)) exit();</a:t>
+            </a:r>
+          </a:p>
+          <a:p>
+            <a:pPr marL="0" indent="0">
+              <a:buNone/>
+            </a:pPr>
+            <a:r>
+              <a:rPr lang="en-US" dirty="0"/>
+              <a:t>	</a:t>
+            </a:r>
+            <a:r>
+              <a:rPr lang="en-US" dirty="0" err="1"/>
+              <a:t>checkforupdates</a:t>
+            </a:r>
+            <a:r>
+              <a:rPr lang="en-US" dirty="0"/>
+              <a:t>();</a:t>
+            </a:r>
+          </a:p>
+          <a:p>
+            <a:pPr marL="0" indent="0">
+              <a:buNone/>
+            </a:pPr>
+            <a:r>
+              <a:rPr lang="en-US" dirty="0"/>
+              <a:t>	</a:t>
+            </a:r>
+            <a:r>
+              <a:rPr lang="en-US" dirty="0" err="1"/>
+              <a:t>tobetested</a:t>
+            </a:r>
+            <a:r>
+              <a:rPr lang="en-US" dirty="0"/>
+              <a:t>(app);</a:t>
+            </a:r>
+          </a:p>
+          <a:p>
+            <a:pPr marL="0" indent="0">
+              <a:buNone/>
+            </a:pPr>
+            <a:r>
+              <a:rPr lang="en-US" dirty="0"/>
+              <a:t>}</a:t>
+            </a:r>
+          </a:p>
+        </p:txBody>
+      </p:sp>
+      <p:sp>
+        <p:nvSpPr>
+          <p:cNvPr id="6" name="Content Placeholder 5">
+            <a:extLst>
+              <a:ext uri="{FF2B5EF4-FFF2-40B4-BE49-F238E27FC236}">
+                <a16:creationId xmlns:a16="http://schemas.microsoft.com/office/drawing/2014/main" id="{A6D29E25-2C69-429A-9142-01DA4015B086}"/>
+              </a:ext>
+            </a:extLst>
+          </p:cNvPr>
+          <p:cNvSpPr>
+            <a:spLocks noGrp="1"/>
+          </p:cNvSpPr>
+          <p:nvPr>
+            <p:ph sz="half" idx="2"/>
+          </p:nvPr>
+        </p:nvSpPr>
+        <p:spPr/>
+        <p:txBody>
+          <a:bodyPr/>
+          <a:lstStyle/>
+          <a:p>
+            <a:pPr marL="0" indent="0">
+              <a:buNone/>
+            </a:pPr>
+            <a:r>
+              <a:rPr lang="en-US" dirty="0"/>
+              <a:t>Slice:</a:t>
+            </a:r>
+          </a:p>
+          <a:p>
+            <a:pPr marL="0" indent="0">
+              <a:buNone/>
+            </a:pPr>
+            <a:r>
+              <a:rPr lang="en-US" dirty="0"/>
+              <a:t>int main(int </a:t>
+            </a:r>
+            <a:r>
+              <a:rPr lang="en-US" dirty="0" err="1"/>
+              <a:t>argc</a:t>
+            </a:r>
+            <a:r>
+              <a:rPr lang="en-US" dirty="0"/>
+              <a:t>, char* </a:t>
+            </a:r>
+            <a:r>
+              <a:rPr lang="en-US" dirty="0" err="1"/>
+              <a:t>argv</a:t>
+            </a:r>
+            <a:r>
+              <a:rPr lang="en-US" dirty="0"/>
+              <a:t>[]) {</a:t>
+            </a:r>
+          </a:p>
+          <a:p>
+            <a:pPr marL="0" indent="0">
+              <a:buNone/>
+            </a:pPr>
+            <a:r>
+              <a:rPr lang="en-US" dirty="0"/>
+              <a:t>	struct </a:t>
+            </a:r>
+            <a:r>
+              <a:rPr lang="en-US" dirty="0" err="1"/>
+              <a:t>appenv</a:t>
+            </a:r>
+            <a:r>
+              <a:rPr lang="en-US" dirty="0"/>
+              <a:t> *app;</a:t>
+            </a:r>
+          </a:p>
+          <a:p>
+            <a:pPr marL="0" indent="0">
+              <a:buNone/>
+            </a:pPr>
+            <a:r>
+              <a:rPr lang="en-US" dirty="0"/>
+              <a:t>	app = initialization(</a:t>
+            </a:r>
+            <a:r>
+              <a:rPr lang="en-US" dirty="0" err="1"/>
+              <a:t>argv</a:t>
+            </a:r>
+            <a:r>
+              <a:rPr lang="en-US" dirty="0"/>
+              <a:t>[1]);</a:t>
+            </a:r>
+          </a:p>
+          <a:p>
+            <a:pPr marL="0" indent="0">
+              <a:buNone/>
+            </a:pPr>
+            <a:r>
+              <a:rPr lang="en-US" dirty="0"/>
+              <a:t>	</a:t>
+            </a:r>
+            <a:r>
+              <a:rPr lang="en-US" dirty="0" err="1"/>
+              <a:t>tobetested</a:t>
+            </a:r>
+            <a:r>
+              <a:rPr lang="en-US" dirty="0"/>
+              <a:t>(app);</a:t>
+            </a:r>
+          </a:p>
+          <a:p>
+            <a:pPr marL="0" indent="0">
+              <a:buNone/>
+            </a:pPr>
+            <a:r>
+              <a:rPr lang="en-US" dirty="0"/>
+              <a:t>}</a:t>
+            </a:r>
           </a:p>
         </p:txBody>
       </p:sp>
     </p:spTree>
     <p:extLst>
       <p:ext uri="{BB962C8B-B14F-4D97-AF65-F5344CB8AC3E}">
-        <p14:creationId xmlns:p14="http://schemas.microsoft.com/office/powerpoint/2010/main" val="3829067270"/>
+        <p14:creationId xmlns:p14="http://schemas.microsoft.com/office/powerpoint/2010/main" val="515696139"/>
       </p:ext>
     </p:extLst>
   </p:cSld>
@@ -4384,10 +3573,10 @@
       </p:grpSpPr>
       <p:sp>
         <p:nvSpPr>
-          <p:cNvPr id="4" name="Title 3">
+          <p:cNvPr id="2" name="Title 1">
             <a:extLst>
               <a:ext uri="{FF2B5EF4-FFF2-40B4-BE49-F238E27FC236}">
-                <a16:creationId xmlns:a16="http://schemas.microsoft.com/office/drawing/2014/main" id="{3FB504B9-65FD-7A49-873D-3E542E63AB04}"/>
+                <a16:creationId xmlns:a16="http://schemas.microsoft.com/office/drawing/2014/main" id="{5E16D255-9AE0-8F41-5FB1-CB563956F228}"/>
               </a:ext>
             </a:extLst>
           </p:cNvPr>
@@ -4405,17 +3594,17 @@
           <a:p>
             <a:r>
               <a:rPr lang="en-US" dirty="0"/>
-              <a:t>Example</a:t>
-            </a:r>
-          </a:p>
-        </p:txBody>
-      </p:sp>
-      <p:sp>
-        <p:nvSpPr>
-          <p:cNvPr id="5" name="Content Placeholder 4">
+              <a:t>Controlling Execution</a:t>
+            </a:r>
+          </a:p>
+        </p:txBody>
+      </p:sp>
+      <p:sp>
+        <p:nvSpPr>
+          <p:cNvPr id="3" name="Content Placeholder 2">
             <a:extLst>
               <a:ext uri="{FF2B5EF4-FFF2-40B4-BE49-F238E27FC236}">
-                <a16:creationId xmlns:a16="http://schemas.microsoft.com/office/drawing/2014/main" id="{7506568A-CC48-C60A-B367-EC2E6CD4736F}"/>
+                <a16:creationId xmlns:a16="http://schemas.microsoft.com/office/drawing/2014/main" id="{68BBA665-DDF2-97C1-D419-2FEC3B772CD7}"/>
               </a:ext>
             </a:extLst>
           </p:cNvPr>
@@ -4423,7 +3612,7 @@
             <a:spLocks noGrp="1"/>
           </p:cNvSpPr>
           <p:nvPr>
-            <p:ph sz="half" idx="1"/>
+            <p:ph idx="1"/>
           </p:nvPr>
         </p:nvSpPr>
         <p:spPr/>
@@ -4431,274 +3620,21 @@
           <a:bodyPr/>
           <a:lstStyle/>
           <a:p>
-            <a:pPr marL="0" indent="0">
-              <a:buNone/>
-            </a:pPr>
-            <a:r>
-              <a:rPr lang="en-US"/>
-              <a:t>Original:</a:t>
-            </a:r>
-            <a:endParaRPr lang="en-US" dirty="0"/>
-          </a:p>
-          <a:p>
-            <a:pPr marL="0" indent="0">
-              <a:buNone/>
-            </a:pPr>
-            <a:r>
-              <a:rPr lang="en-US" dirty="0"/>
-              <a:t>int main(int </a:t>
-            </a:r>
-            <a:r>
-              <a:rPr lang="en-US" dirty="0" err="1"/>
-              <a:t>argc</a:t>
-            </a:r>
-            <a:r>
-              <a:rPr lang="en-US" dirty="0"/>
-              <a:t>, char* </a:t>
-            </a:r>
-            <a:r>
-              <a:rPr lang="en-US" dirty="0" err="1"/>
-              <a:t>argv</a:t>
-            </a:r>
-            <a:r>
-              <a:rPr lang="en-US" dirty="0"/>
-              <a:t>[]) {</a:t>
-            </a:r>
-          </a:p>
-          <a:p>
-            <a:pPr marL="0" indent="0">
-              <a:buNone/>
-            </a:pPr>
-            <a:r>
-              <a:rPr lang="en-US" dirty="0"/>
-              <a:t>	struct </a:t>
-            </a:r>
-            <a:r>
-              <a:rPr lang="en-US" dirty="0" err="1"/>
-              <a:t>appenv</a:t>
-            </a:r>
-            <a:r>
-              <a:rPr lang="en-US" dirty="0"/>
-              <a:t> *app;</a:t>
-            </a:r>
-          </a:p>
-          <a:p>
-            <a:pPr marL="0" indent="0">
-              <a:buNone/>
-            </a:pPr>
-            <a:r>
-              <a:rPr lang="en-US" dirty="0"/>
-              <a:t>	app = initialization(</a:t>
-            </a:r>
-            <a:r>
-              <a:rPr lang="en-US" dirty="0" err="1"/>
-              <a:t>argv</a:t>
-            </a:r>
-            <a:r>
-              <a:rPr lang="en-US" dirty="0"/>
-              <a:t>[1]);</a:t>
-            </a:r>
-          </a:p>
-          <a:p>
-            <a:pPr marL="0" indent="0">
-              <a:buNone/>
-            </a:pPr>
-            <a:r>
-              <a:rPr lang="en-US" dirty="0"/>
-              <a:t>	lengthy(</a:t>
-            </a:r>
-            <a:r>
-              <a:rPr lang="en-US" dirty="0" err="1"/>
-              <a:t>argv</a:t>
-            </a:r>
-            <a:r>
-              <a:rPr lang="en-US" dirty="0"/>
-              <a:t>[2]);</a:t>
-            </a:r>
-          </a:p>
-          <a:p>
-            <a:pPr marL="0" indent="0">
-              <a:buNone/>
-            </a:pPr>
-            <a:r>
-              <a:rPr lang="en-US" dirty="0"/>
-              <a:t>	pass = </a:t>
-            </a:r>
-            <a:r>
-              <a:rPr lang="en-US" dirty="0" err="1"/>
-              <a:t>getpass</a:t>
-            </a:r>
-            <a:r>
-              <a:rPr lang="en-US" dirty="0"/>
-              <a:t>();</a:t>
-            </a:r>
-          </a:p>
-          <a:p>
-            <a:pPr marL="0" indent="0">
-              <a:buNone/>
-            </a:pPr>
-            <a:r>
-              <a:rPr lang="en-US" dirty="0"/>
-              <a:t>	if (!verify(pass)) exit();</a:t>
-            </a:r>
-          </a:p>
-          <a:p>
-            <a:pPr marL="0" indent="0">
-              <a:buNone/>
-            </a:pPr>
-            <a:r>
-              <a:rPr lang="en-US" dirty="0"/>
-              <a:t>	</a:t>
-            </a:r>
-            <a:r>
-              <a:rPr lang="en-US" dirty="0" err="1"/>
-              <a:t>checkforupdates</a:t>
-            </a:r>
-            <a:r>
-              <a:rPr lang="en-US" dirty="0"/>
-              <a:t>();</a:t>
-            </a:r>
-          </a:p>
-          <a:p>
-            <a:pPr marL="0" indent="0">
-              <a:buNone/>
-            </a:pPr>
-            <a:r>
-              <a:rPr lang="en-US" dirty="0"/>
-              <a:t>	</a:t>
-            </a:r>
-            <a:r>
-              <a:rPr lang="en-US" dirty="0" err="1"/>
-              <a:t>tobetested</a:t>
-            </a:r>
-            <a:r>
-              <a:rPr lang="en-US" dirty="0"/>
-              <a:t>(app);</a:t>
-            </a:r>
-          </a:p>
-          <a:p>
-            <a:pPr marL="0" indent="0">
-              <a:buNone/>
-            </a:pPr>
-            <a:r>
-              <a:rPr lang="en-US" dirty="0"/>
-              <a:t>}</a:t>
-            </a:r>
-          </a:p>
-        </p:txBody>
-      </p:sp>
-      <p:sp>
-        <p:nvSpPr>
-          <p:cNvPr id="6" name="Content Placeholder 5">
-            <a:extLst>
-              <a:ext uri="{FF2B5EF4-FFF2-40B4-BE49-F238E27FC236}">
-                <a16:creationId xmlns:a16="http://schemas.microsoft.com/office/drawing/2014/main" id="{A6D29E25-2C69-429A-9142-01DA4015B086}"/>
-              </a:ext>
-            </a:extLst>
-          </p:cNvPr>
-          <p:cNvSpPr>
-            <a:spLocks noGrp="1"/>
-          </p:cNvSpPr>
-          <p:nvPr>
-            <p:ph sz="half" idx="2"/>
-          </p:nvPr>
-        </p:nvSpPr>
-        <p:spPr/>
-        <p:txBody>
-          <a:bodyPr/>
-          <a:lstStyle/>
-          <a:p>
-            <a:pPr marL="0" indent="0">
-              <a:buNone/>
-            </a:pPr>
-            <a:r>
-              <a:rPr lang="en-US" dirty="0"/>
-              <a:t>Slice:</a:t>
-            </a:r>
-          </a:p>
-          <a:p>
-            <a:pPr marL="0" indent="0">
-              <a:buNone/>
-            </a:pPr>
-            <a:r>
-              <a:rPr lang="en-US" dirty="0"/>
-              <a:t>int main(int </a:t>
-            </a:r>
-            <a:r>
-              <a:rPr lang="en-US" dirty="0" err="1"/>
-              <a:t>argc</a:t>
-            </a:r>
-            <a:r>
-              <a:rPr lang="en-US" dirty="0"/>
-              <a:t>, char* </a:t>
-            </a:r>
-            <a:r>
-              <a:rPr lang="en-US" dirty="0" err="1"/>
-              <a:t>argv</a:t>
-            </a:r>
-            <a:r>
-              <a:rPr lang="en-US" dirty="0"/>
-              <a:t>[]) {</a:t>
-            </a:r>
-          </a:p>
-          <a:p>
-            <a:pPr marL="0" indent="0">
-              <a:buNone/>
-            </a:pPr>
-            <a:r>
-              <a:rPr lang="en-US" dirty="0"/>
-              <a:t>	struct </a:t>
-            </a:r>
-            <a:r>
-              <a:rPr lang="en-US" dirty="0" err="1"/>
-              <a:t>appenv</a:t>
-            </a:r>
-            <a:r>
-              <a:rPr lang="en-US" dirty="0"/>
-              <a:t> *app;</a:t>
-            </a:r>
-          </a:p>
-          <a:p>
-            <a:pPr marL="0" indent="0">
-              <a:buNone/>
-            </a:pPr>
-            <a:r>
-              <a:rPr lang="en-US" dirty="0"/>
-              <a:t>	app = initialization(</a:t>
-            </a:r>
-            <a:r>
-              <a:rPr lang="en-US" dirty="0" err="1"/>
-              <a:t>argv</a:t>
-            </a:r>
-            <a:r>
-              <a:rPr lang="en-US" dirty="0"/>
-              <a:t>[1]);</a:t>
-            </a:r>
-          </a:p>
-          <a:p>
-            <a:pPr marL="0" indent="0">
-              <a:buNone/>
-            </a:pPr>
-            <a:r>
-              <a:rPr lang="en-US" dirty="0"/>
-              <a:t>	</a:t>
-            </a:r>
-            <a:r>
-              <a:rPr lang="en-US" dirty="0" err="1"/>
-              <a:t>tobetested</a:t>
-            </a:r>
-            <a:r>
-              <a:rPr lang="en-US" dirty="0"/>
-              <a:t>(app);</a:t>
-            </a:r>
-          </a:p>
-          <a:p>
-            <a:pPr marL="0" indent="0">
-              <a:buNone/>
-            </a:pPr>
-            <a:r>
-              <a:rPr lang="en-US" dirty="0"/>
-              <a:t>}</a:t>
+            <a:r>
+              <a:rPr lang="en-US" dirty="0"/>
+              <a:t>Once a target and a context have been determined, the ability to control the target’s execution can be key in the vulnerability analysis process</a:t>
+            </a:r>
+          </a:p>
+          <a:p>
+            <a:r>
+              <a:rPr lang="en-US" dirty="0"/>
+              <a:t>Freezing execution allows the analyst to access intermediate states </a:t>
+            </a:r>
+          </a:p>
+          <a:p>
+            <a:r>
+              <a:rPr lang="en-US" dirty="0"/>
+              <a:t>In some cases, it is possible to move backward in the execution process </a:t>
             </a:r>
           </a:p>
         </p:txBody>
@@ -4706,7 +3642,7 @@
     </p:spTree>
     <p:extLst>
       <p:ext uri="{BB962C8B-B14F-4D97-AF65-F5344CB8AC3E}">
-        <p14:creationId xmlns:p14="http://schemas.microsoft.com/office/powerpoint/2010/main" val="515696139"/>
+        <p14:creationId xmlns:p14="http://schemas.microsoft.com/office/powerpoint/2010/main" val="3544879840"/>
       </p:ext>
     </p:extLst>
   </p:cSld>
@@ -4839,13 +3775,7 @@
       </p:grpSpPr>
       <p:sp>
         <p:nvSpPr>
-          <p:cNvPr id="2" name="Title 1">
-            <a:extLst>
-              <a:ext uri="{FF2B5EF4-FFF2-40B4-BE49-F238E27FC236}">
-                <a16:creationId xmlns:a16="http://schemas.microsoft.com/office/drawing/2014/main" id="{5E16D255-9AE0-8F41-5FB1-CB563956F228}"/>
-              </a:ext>
-            </a:extLst>
-          </p:cNvPr>
+          <p:cNvPr id="5" name="Title 4"/>
           <p:cNvSpPr>
             <a:spLocks noGrp="1"/>
           </p:cNvSpPr>
@@ -4859,21 +3789,16 @@
           <a:lstStyle/>
           <a:p>
             <a:r>
-              <a:rPr lang="en-US" dirty="0"/>
-              <a:t>Controlling Execution</a:t>
-            </a:r>
-          </a:p>
-        </p:txBody>
-      </p:sp>
-      <p:sp>
-        <p:nvSpPr>
-          <p:cNvPr id="3" name="Content Placeholder 2">
-            <a:extLst>
-              <a:ext uri="{FF2B5EF4-FFF2-40B4-BE49-F238E27FC236}">
-                <a16:creationId xmlns:a16="http://schemas.microsoft.com/office/drawing/2014/main" id="{68BBA665-DDF2-97C1-D419-2FEC3B772CD7}"/>
-              </a:ext>
-            </a:extLst>
-          </p:cNvPr>
+              <a:rPr lang="en-US" dirty="0" err="1"/>
+              <a:t>gdb</a:t>
+            </a:r>
+            <a:endParaRPr lang="en-US" dirty="0"/>
+          </a:p>
+        </p:txBody>
+      </p:sp>
+      <p:sp>
+        <p:nvSpPr>
+          <p:cNvPr id="6" name="Content Placeholder 5"/>
           <p:cNvSpPr>
             <a:spLocks noGrp="1"/>
           </p:cNvSpPr>
@@ -4888,19 +3813,63 @@
           <a:p>
             <a:r>
               <a:rPr lang="en-US" dirty="0"/>
-              <a:t>Once a target and a context have been determined, the ability to control the target’s execution can be key in the vulnerability analysis process</a:t>
-            </a:r>
-          </a:p>
-          <a:p>
-            <a:r>
-              <a:rPr lang="en-US" dirty="0"/>
-              <a:t>Freezing execution allows the analyst to access intermediate states </a:t>
-            </a:r>
-          </a:p>
-          <a:p>
-            <a:r>
-              <a:rPr lang="en-US" dirty="0"/>
-              <a:t>In some cases, it is possible to move backward in the execution process </a:t>
+              <a:t>The GNU debugger is the basic tool for dynamic analysis</a:t>
+            </a:r>
+          </a:p>
+          <a:p>
+            <a:pPr lvl="1"/>
+            <a:r>
+              <a:rPr lang="en-US" dirty="0"/>
+              <a:t>https://</a:t>
+            </a:r>
+            <a:r>
+              <a:rPr lang="en-US" dirty="0" err="1"/>
+              <a:t>www.gnu.org</a:t>
+            </a:r>
+            <a:r>
+              <a:rPr lang="en-US" dirty="0"/>
+              <a:t>/software/</a:t>
+            </a:r>
+            <a:r>
+              <a:rPr lang="en-US" dirty="0" err="1"/>
+              <a:t>gdb</a:t>
+            </a:r>
+            <a:r>
+              <a:rPr lang="en-US" dirty="0"/>
+              <a:t>/</a:t>
+            </a:r>
+          </a:p>
+          <a:p>
+            <a:r>
+              <a:rPr lang="en-US" dirty="0"/>
+              <a:t>A debugger allows one to examine the status of a program</a:t>
+            </a:r>
+          </a:p>
+          <a:p>
+            <a:pPr lvl="1"/>
+            <a:r>
+              <a:rPr lang="en-US" dirty="0"/>
+              <a:t>Set breakpoints</a:t>
+            </a:r>
+          </a:p>
+          <a:p>
+            <a:pPr lvl="1"/>
+            <a:r>
+              <a:rPr lang="en-US" dirty="0"/>
+              <a:t>Step through instructions</a:t>
+            </a:r>
+          </a:p>
+          <a:p>
+            <a:pPr lvl="1"/>
+            <a:r>
+              <a:rPr lang="en-US" dirty="0"/>
+              <a:t>Inspect memory/CPU</a:t>
+            </a:r>
+          </a:p>
+          <a:p>
+            <a:r>
+              <a:rPr lang="en-US" dirty="0"/>
+              <a:t>Can be scripted through Python </a:t>
             </a:r>
           </a:p>
         </p:txBody>
@@ -4908,7 +3877,7 @@
     </p:spTree>
     <p:extLst>
       <p:ext uri="{BB962C8B-B14F-4D97-AF65-F5344CB8AC3E}">
-        <p14:creationId xmlns:p14="http://schemas.microsoft.com/office/powerpoint/2010/main" val="3544879840"/>
+        <p14:creationId xmlns:p14="http://schemas.microsoft.com/office/powerpoint/2010/main" val="2555937604"/>
       </p:ext>
     </p:extLst>
   </p:cSld>
@@ -4937,7 +3906,13 @@
       </p:grpSpPr>
       <p:sp>
         <p:nvSpPr>
-          <p:cNvPr id="5" name="Title 4"/>
+          <p:cNvPr id="2" name="Title 1">
+            <a:extLst>
+              <a:ext uri="{FF2B5EF4-FFF2-40B4-BE49-F238E27FC236}">
+                <a16:creationId xmlns:a16="http://schemas.microsoft.com/office/drawing/2014/main" id="{F9DC7D73-CB8A-854E-ADEC-9CFAE1C6E864}"/>
+              </a:ext>
+            </a:extLst>
+          </p:cNvPr>
           <p:cNvSpPr>
             <a:spLocks noGrp="1"/>
           </p:cNvSpPr>
@@ -4952,7 +3927,7 @@
           <a:p>
             <a:r>
               <a:rPr lang="en-US" dirty="0" err="1"/>
-              <a:t>gdb</a:t>
+              <a:t>rr</a:t>
             </a:r>
             <a:endParaRPr lang="en-US" dirty="0"/>
           </a:p>
@@ -4960,7 +3935,13 @@
       </p:sp>
       <p:sp>
         <p:nvSpPr>
-          <p:cNvPr id="6" name="Content Placeholder 5"/>
+          <p:cNvPr id="3" name="Content Placeholder 2">
+            <a:extLst>
+              <a:ext uri="{FF2B5EF4-FFF2-40B4-BE49-F238E27FC236}">
+                <a16:creationId xmlns:a16="http://schemas.microsoft.com/office/drawing/2014/main" id="{620F87D7-DEDB-1145-B53D-8957E2CDE311}"/>
+              </a:ext>
+            </a:extLst>
+          </p:cNvPr>
           <p:cNvSpPr>
             <a:spLocks noGrp="1"/>
           </p:cNvSpPr>
@@ -4974,64 +3955,32 @@
           <a:lstStyle/>
           <a:p>
             <a:r>
-              <a:rPr lang="en-US" dirty="0"/>
-              <a:t>The GNU debugger is the basic tool for dynamic analysis</a:t>
-            </a:r>
-          </a:p>
-          <a:p>
-            <a:pPr lvl="1"/>
+              <a:rPr lang="en-US" dirty="0" err="1"/>
+              <a:t>rr</a:t>
+            </a:r>
+            <a:r>
+              <a:rPr lang="en-US" dirty="0"/>
+              <a:t> records the execution of a program and allows for its deterministic re-execution</a:t>
+            </a:r>
+          </a:p>
+          <a:p>
+            <a:r>
+              <a:rPr lang="en-US" dirty="0"/>
+              <a:t>Useful in the debugging of complex binaries in which might be difficult to replicate the conditions that brought the program to crash or malfunction</a:t>
+            </a:r>
+          </a:p>
+          <a:p>
             <a:r>
               <a:rPr lang="en-US" dirty="0"/>
               <a:t>https://</a:t>
             </a:r>
             <a:r>
               <a:rPr lang="en-US" dirty="0" err="1"/>
-              <a:t>www.gnu.org</a:t>
-            </a:r>
-            <a:r>
-              <a:rPr lang="en-US" dirty="0"/>
-              <a:t>/software/</a:t>
-            </a:r>
-            <a:r>
-              <a:rPr lang="en-US" dirty="0" err="1"/>
-              <a:t>gdb</a:t>
+              <a:t>rr-project.org</a:t>
             </a:r>
             <a:r>
               <a:rPr lang="en-US" dirty="0"/>
               <a:t>/</a:t>
-            </a:r>
-          </a:p>
-          <a:p>
-            <a:r>
-              <a:rPr lang="en-US" dirty="0"/>
-              <a:t>A debugger allows one to examine the status of a program</a:t>
-            </a:r>
-          </a:p>
-          <a:p>
-            <a:pPr lvl="1"/>
-            <a:r>
-              <a:rPr lang="en-US" dirty="0"/>
-              <a:t>Set breakpoints</a:t>
-            </a:r>
-          </a:p>
-          <a:p>
-            <a:pPr lvl="1"/>
-            <a:r>
-              <a:rPr lang="en-US" dirty="0"/>
-              <a:t>Step through instructions</a:t>
-            </a:r>
-          </a:p>
-          <a:p>
-            <a:pPr lvl="1"/>
-            <a:r>
-              <a:rPr lang="en-US" dirty="0"/>
-              <a:t>Inspect memory/CPU</a:t>
-            </a:r>
-          </a:p>
-          <a:p>
-            <a:r>
-              <a:rPr lang="en-US" dirty="0"/>
-              <a:t>Can be scripted through Python </a:t>
             </a:r>
           </a:p>
         </p:txBody>
@@ -5039,7 +3988,7 @@
     </p:spTree>
     <p:extLst>
       <p:ext uri="{BB962C8B-B14F-4D97-AF65-F5344CB8AC3E}">
-        <p14:creationId xmlns:p14="http://schemas.microsoft.com/office/powerpoint/2010/main" val="2555937604"/>
+        <p14:creationId xmlns:p14="http://schemas.microsoft.com/office/powerpoint/2010/main" val="1696008061"/>
       </p:ext>
     </p:extLst>
   </p:cSld>
@@ -5071,7 +4020,7 @@
           <p:cNvPr id="2" name="Title 1">
             <a:extLst>
               <a:ext uri="{FF2B5EF4-FFF2-40B4-BE49-F238E27FC236}">
-                <a16:creationId xmlns:a16="http://schemas.microsoft.com/office/drawing/2014/main" id="{F9DC7D73-CB8A-854E-ADEC-9CFAE1C6E864}"/>
+                <a16:creationId xmlns:a16="http://schemas.microsoft.com/office/drawing/2014/main" id="{C89B0734-36BE-13EC-9BE3-28C6E4D29FFA}"/>
               </a:ext>
             </a:extLst>
           </p:cNvPr>
@@ -5088,10 +4037,9 @@
           <a:lstStyle/>
           <a:p>
             <a:r>
-              <a:rPr lang="en-US" dirty="0" err="1"/>
-              <a:t>rr</a:t>
-            </a:r>
-            <a:endParaRPr lang="en-US" dirty="0"/>
+              <a:rPr lang="en-US" dirty="0"/>
+              <a:t>Conclusions</a:t>
+            </a:r>
           </a:p>
         </p:txBody>
       </p:sp>
@@ -5100,7 +4048,7 @@
           <p:cNvPr id="3" name="Content Placeholder 2">
             <a:extLst>
               <a:ext uri="{FF2B5EF4-FFF2-40B4-BE49-F238E27FC236}">
-                <a16:creationId xmlns:a16="http://schemas.microsoft.com/office/drawing/2014/main" id="{620F87D7-DEDB-1145-B53D-8957E2CDE311}"/>
+                <a16:creationId xmlns:a16="http://schemas.microsoft.com/office/drawing/2014/main" id="{99C21CA4-36DB-2224-7088-87FF5257DF60}"/>
               </a:ext>
             </a:extLst>
           </p:cNvPr>
@@ -5116,33 +4064,106 @@
           <a:bodyPr/>
           <a:lstStyle/>
           <a:p>
-            <a:r>
-              <a:rPr lang="en-US" dirty="0" err="1"/>
-              <a:t>rr</a:t>
-            </a:r>
-            <a:r>
-              <a:rPr lang="en-US" dirty="0"/>
-              <a:t> records the execution of a program and allows for its deterministic re-execution</a:t>
-            </a:r>
-          </a:p>
-          <a:p>
-            <a:r>
-              <a:rPr lang="en-US" dirty="0"/>
-              <a:t>Useful in the debugging of complex binaries in which might be difficult to replicate the conditions that brought the program to crash or malfunction</a:t>
-            </a:r>
-          </a:p>
-          <a:p>
-            <a:r>
-              <a:rPr lang="en-US" dirty="0"/>
+            <a:endParaRPr lang="en-US" dirty="0"/>
+          </a:p>
+        </p:txBody>
+      </p:sp>
+      <p:pic>
+        <p:nvPicPr>
+          <p:cNvPr id="1028" name="Picture 4" descr="Security Holes">
+            <a:extLst>
+              <a:ext uri="{FF2B5EF4-FFF2-40B4-BE49-F238E27FC236}">
+                <a16:creationId xmlns:a16="http://schemas.microsoft.com/office/drawing/2014/main" id="{35A94877-1A09-24B6-620C-C6F115CE75E7}"/>
+              </a:ext>
+            </a:extLst>
+          </p:cNvPr>
+          <p:cNvPicPr>
+            <a:picLocks noChangeAspect="1" noChangeArrowheads="1"/>
+          </p:cNvPicPr>
+          <p:nvPr/>
+        </p:nvPicPr>
+        <p:blipFill>
+          <a:blip r:embed="rId2">
+            <a:extLst>
+              <a:ext uri="{28A0092B-C50C-407E-A947-70E740481C1C}">
+                <a14:useLocalDpi xmlns:a14="http://schemas.microsoft.com/office/drawing/2010/main" val="0"/>
+              </a:ext>
+            </a:extLst>
+          </a:blip>
+          <a:srcRect/>
+          <a:stretch>
+            <a:fillRect/>
+          </a:stretch>
+        </p:blipFill>
+        <p:spPr bwMode="auto">
+          <a:xfrm>
+            <a:off x="2573308" y="1280160"/>
+            <a:ext cx="3169315" cy="3387852"/>
+          </a:xfrm>
+          <a:prstGeom prst="rect">
+            <a:avLst/>
+          </a:prstGeom>
+          <a:noFill/>
+          <a:extLst>
+            <a:ext uri="{909E8E84-426E-40DD-AFC4-6F175D3DCCD1}">
+              <a14:hiddenFill xmlns:a14="http://schemas.microsoft.com/office/drawing/2010/main">
+                <a:solidFill>
+                  <a:srgbClr val="FFFFFF"/>
+                </a:solidFill>
+              </a14:hiddenFill>
+            </a:ext>
+          </a:extLst>
+        </p:spPr>
+      </p:pic>
+      <p:sp>
+        <p:nvSpPr>
+          <p:cNvPr id="5" name="TextBox 4">
+            <a:extLst>
+              <a:ext uri="{FF2B5EF4-FFF2-40B4-BE49-F238E27FC236}">
+                <a16:creationId xmlns:a16="http://schemas.microsoft.com/office/drawing/2014/main" id="{FCF84F28-C723-F5DE-D62E-21E50FB62989}"/>
+              </a:ext>
+            </a:extLst>
+          </p:cNvPr>
+          <p:cNvSpPr txBox="1"/>
+          <p:nvPr/>
+        </p:nvSpPr>
+        <p:spPr>
+          <a:xfrm rot="16200000">
+            <a:off x="7982464" y="3792504"/>
+            <a:ext cx="2015295" cy="307777"/>
+          </a:xfrm>
+          <a:prstGeom prst="rect">
+            <a:avLst/>
+          </a:prstGeom>
+          <a:noFill/>
+        </p:spPr>
+        <p:txBody>
+          <a:bodyPr wrap="none" rtlCol="0">
+            <a:spAutoFit/>
+          </a:bodyPr>
+          <a:lstStyle/>
+          <a:p>
+            <a:pPr algn="l"/>
+            <a:r>
+              <a:rPr lang="en-US" sz="1400" dirty="0">
+                <a:latin typeface="Roboto" panose="02000000000000000000" pitchFamily="2" charset="0"/>
+                <a:ea typeface="Roboto" panose="02000000000000000000" pitchFamily="2" charset="0"/>
+              </a:rPr>
               <a:t>https://</a:t>
             </a:r>
             <a:r>
-              <a:rPr lang="en-US" dirty="0" err="1"/>
-              <a:t>rr-project.org</a:t>
-            </a:r>
-            <a:r>
-              <a:rPr lang="en-US" dirty="0"/>
-              <a:t>/</a:t>
+              <a:rPr lang="en-US" sz="1400" dirty="0" err="1">
+                <a:latin typeface="Roboto" panose="02000000000000000000" pitchFamily="2" charset="0"/>
+                <a:ea typeface="Roboto" panose="02000000000000000000" pitchFamily="2" charset="0"/>
+              </a:rPr>
+              <a:t>xkcd.com</a:t>
+            </a:r>
+            <a:r>
+              <a:rPr lang="en-US" sz="1400" dirty="0">
+                <a:latin typeface="Roboto" panose="02000000000000000000" pitchFamily="2" charset="0"/>
+                <a:ea typeface="Roboto" panose="02000000000000000000" pitchFamily="2" charset="0"/>
+              </a:rPr>
+              <a:t>/424/</a:t>
             </a:r>
           </a:p>
         </p:txBody>
@@ -5150,105 +4171,7 @@
     </p:spTree>
     <p:extLst>
       <p:ext uri="{BB962C8B-B14F-4D97-AF65-F5344CB8AC3E}">
-        <p14:creationId xmlns:p14="http://schemas.microsoft.com/office/powerpoint/2010/main" val="1696008061"/>
-      </p:ext>
-    </p:extLst>
-  </p:cSld>
-  <p:clrMapOvr>
-    <a:masterClrMapping/>
-  </p:clrMapOvr>
-</p:sld>
-</file>
-
-<file path=ppt/slides/slide23.xml><?xml version="1.0" encoding="utf-8"?>
-<p:sld xmlns:a="http://schemas.openxmlformats.org/drawingml/2006/main" xmlns:r="http://schemas.openxmlformats.org/officeDocument/2006/relationships" xmlns:p="http://schemas.openxmlformats.org/presentationml/2006/main">
-  <p:cSld>
-    <p:spTree>
-      <p:nvGrpSpPr>
-        <p:cNvPr id="1" name=""/>
-        <p:cNvGrpSpPr/>
-        <p:nvPr/>
-      </p:nvGrpSpPr>
-      <p:grpSpPr>
-        <a:xfrm>
-          <a:off x="0" y="0"/>
-          <a:ext cx="0" cy="0"/>
-          <a:chOff x="0" y="0"/>
-          <a:chExt cx="0" cy="0"/>
-        </a:xfrm>
-      </p:grpSpPr>
-      <p:sp>
-        <p:nvSpPr>
-          <p:cNvPr id="2" name="Title 1">
-            <a:extLst>
-              <a:ext uri="{FF2B5EF4-FFF2-40B4-BE49-F238E27FC236}">
-                <a16:creationId xmlns:a16="http://schemas.microsoft.com/office/drawing/2014/main" id="{B4BCDB96-A4E0-744F-13C9-2016141FC82F}"/>
-              </a:ext>
-            </a:extLst>
-          </p:cNvPr>
-          <p:cNvSpPr>
-            <a:spLocks noGrp="1"/>
-          </p:cNvSpPr>
-          <p:nvPr>
-            <p:ph type="title"/>
-          </p:nvPr>
-        </p:nvSpPr>
-        <p:spPr>
-          <a:xfrm>
-            <a:off x="457200" y="205979"/>
-            <a:ext cx="8229600" cy="857250"/>
-          </a:xfrm>
-        </p:spPr>
-        <p:txBody>
-          <a:bodyPr/>
-          <a:lstStyle/>
-          <a:p>
-            <a:r>
-              <a:rPr lang="en-US" dirty="0"/>
-              <a:t>References</a:t>
-            </a:r>
-          </a:p>
-        </p:txBody>
-      </p:sp>
-      <p:sp>
-        <p:nvSpPr>
-          <p:cNvPr id="3" name="Content Placeholder 2">
-            <a:extLst>
-              <a:ext uri="{FF2B5EF4-FFF2-40B4-BE49-F238E27FC236}">
-                <a16:creationId xmlns:a16="http://schemas.microsoft.com/office/drawing/2014/main" id="{6A7D1FEB-2939-FD91-058A-42068770F3E5}"/>
-              </a:ext>
-            </a:extLst>
-          </p:cNvPr>
-          <p:cNvSpPr>
-            <a:spLocks noGrp="1"/>
-          </p:cNvSpPr>
-          <p:nvPr>
-            <p:ph idx="1"/>
-          </p:nvPr>
-        </p:nvSpPr>
-        <p:spPr>
-          <a:xfrm>
-            <a:off x="457200" y="1200150"/>
-            <a:ext cx="8229600" cy="3753890"/>
-          </a:xfrm>
-        </p:spPr>
-        <p:txBody>
-          <a:bodyPr>
-            <a:normAutofit/>
-          </a:bodyPr>
-          <a:lstStyle/>
-          <a:p>
-            <a:endParaRPr lang="en-US" dirty="0"/>
-          </a:p>
-          <a:p>
-            <a:endParaRPr lang="en-US" dirty="0"/>
-          </a:p>
-        </p:txBody>
-      </p:sp>
-    </p:spTree>
-    <p:extLst>
-      <p:ext uri="{BB962C8B-B14F-4D97-AF65-F5344CB8AC3E}">
-        <p14:creationId xmlns:p14="http://schemas.microsoft.com/office/powerpoint/2010/main" val="1433610807"/>
+        <p14:creationId xmlns:p14="http://schemas.microsoft.com/office/powerpoint/2010/main" val="2639832270"/>
       </p:ext>
     </p:extLst>
   </p:cSld>
@@ -5844,7 +4767,7 @@
             <a:pPr lvl="1"/>
             <a:r>
               <a:rPr lang="en-US" dirty="0"/>
-              <a:t>QEMU supports the cross-target execution of Linux/BSD binaries</a:t>
+              <a:t>QEMU supports the cross-architecture execution of Linux or MacOS binaries</a:t>
             </a:r>
           </a:p>
           <a:p>
@@ -5944,6 +4867,12 @@
             <a:r>
               <a:rPr lang="en-US" dirty="0"/>
               <a:t>Firmware usually receives inputs from peripheral (e.g., a heat sensor) or the network and produces outputs using actuators and other signals</a:t>
+            </a:r>
+          </a:p>
+          <a:p>
+            <a:r>
+              <a:rPr lang="en-US" dirty="0"/>
+              <a:t>Input is often provided using memory-mapped I/O (MMIO)</a:t>
             </a:r>
           </a:p>
         </p:txBody>
